--- a/Presentasi/Mobile Banking Application.pptx
+++ b/Presentasi/Mobile Banking Application.pptx
@@ -15,6 +15,7 @@
     <p:sldId id="265" r:id="rId9"/>
     <p:sldId id="263" r:id="rId10"/>
     <p:sldId id="264" r:id="rId11"/>
+    <p:sldId id="266" r:id="rId12"/>
   </p:sldIdLst>
   <p:sldSz cx="12192000" cy="6858000"/>
   <p:notesSz cx="6858000" cy="9144000"/>
@@ -113,6 +114,11 @@
       </a:defRPr>
     </a:lvl9pPr>
   </p:defaultTextStyle>
+  <p:extLst>
+    <p:ext uri="{EFAFB233-063F-42B5-8137-9DF3F51BA10A}">
+      <p15:sldGuideLst xmlns:p15="http://schemas.microsoft.com/office/powerpoint/2012/main"/>
+    </p:ext>
+  </p:extLst>
 </p:presentation>
 </file>
 
@@ -1120,6 +1126,13 @@
         </dgm:presLayoutVars>
       </dgm:prSet>
       <dgm:spPr/>
+      <dgm:t>
+        <a:bodyPr/>
+        <a:lstStyle/>
+        <a:p>
+          <a:endParaRPr lang="en-US"/>
+        </a:p>
+      </dgm:t>
     </dgm:pt>
     <dgm:pt modelId="{E07FAC3E-C2F9-4756-9459-04352E0F6A9A}" type="pres">
       <dgm:prSet presAssocID="{F10DC573-DDCC-4A8B-B66F-BCFF134FB165}" presName="compositeSpace" presStyleCnt="0"/>
@@ -1140,6 +1153,13 @@
         </dgm:presLayoutVars>
       </dgm:prSet>
       <dgm:spPr/>
+      <dgm:t>
+        <a:bodyPr/>
+        <a:lstStyle/>
+        <a:p>
+          <a:endParaRPr lang="en-US"/>
+        </a:p>
+      </dgm:t>
     </dgm:pt>
     <dgm:pt modelId="{79C9F35D-ECA3-4C7D-8228-92D9408DF6C7}" type="pres">
       <dgm:prSet presAssocID="{0154ADBE-C7DA-4F30-8F10-58553CBBFE64}" presName="compositeSpace" presStyleCnt="0"/>
@@ -3039,7 +3059,7 @@
           <a:effectLst/>
           <a:extLst>
             <a:ext uri="{91240B29-F687-4f45-9708-019B960494DF}">
-              <a14:hiddenLine xmlns="" xmlns:a14="http://schemas.microsoft.com/office/drawing/2010/main" w="9525">
+              <a14:hiddenLine xmlns:a14="http://schemas.microsoft.com/office/drawing/2010/main" xmlns="" w="9525">
                 <a:solidFill>
                   <a:srgbClr val="000000"/>
                 </a:solidFill>
@@ -3231,7 +3251,7 @@
           <a:p>
             <a:fld id="{C38CFCAD-2135-4AB8-9EE0-75884872A20A}" type="datetimeFigureOut">
               <a:rPr lang="en-US" smtClean="0"/>
-              <a:t>12/22/2020</a:t>
+              <a:t>12/23/2020</a:t>
             </a:fld>
             <a:endParaRPr lang="en-US"/>
           </a:p>
@@ -3549,7 +3569,7 @@
           <a:p>
             <a:fld id="{C38CFCAD-2135-4AB8-9EE0-75884872A20A}" type="datetimeFigureOut">
               <a:rPr lang="en-US" smtClean="0"/>
-              <a:t>12/22/2020</a:t>
+              <a:t>12/23/2020</a:t>
             </a:fld>
             <a:endParaRPr lang="en-US"/>
           </a:p>
@@ -4037,7 +4057,7 @@
           <a:p>
             <a:fld id="{C38CFCAD-2135-4AB8-9EE0-75884872A20A}" type="datetimeFigureOut">
               <a:rPr lang="en-US" smtClean="0"/>
-              <a:t>12/22/2020</a:t>
+              <a:t>12/23/2020</a:t>
             </a:fld>
             <a:endParaRPr lang="en-US"/>
           </a:p>
@@ -4406,7 +4426,7 @@
           <a:p>
             <a:fld id="{C38CFCAD-2135-4AB8-9EE0-75884872A20A}" type="datetimeFigureOut">
               <a:rPr lang="en-US" smtClean="0"/>
-              <a:t>12/22/2020</a:t>
+              <a:t>12/23/2020</a:t>
             </a:fld>
             <a:endParaRPr lang="en-US"/>
           </a:p>
@@ -4561,7 +4581,7 @@
           <a:ln/>
           <a:extLst>
             <a:ext uri="{91240B29-F687-4f45-9708-019B960494DF}">
-              <a14:hiddenLine xmlns="" xmlns:a14="http://schemas.microsoft.com/office/drawing/2010/main" w="9525">
+              <a14:hiddenLine xmlns:a14="http://schemas.microsoft.com/office/drawing/2010/main" xmlns="" w="9525">
                 <a:solidFill>
                   <a:srgbClr val="000000"/>
                 </a:solidFill>
@@ -4679,7 +4699,7 @@
           <a:p>
             <a:fld id="{C38CFCAD-2135-4AB8-9EE0-75884872A20A}" type="datetimeFigureOut">
               <a:rPr lang="en-US" smtClean="0"/>
-              <a:t>12/22/2020</a:t>
+              <a:t>12/23/2020</a:t>
             </a:fld>
             <a:endParaRPr lang="en-US"/>
           </a:p>
@@ -4836,7 +4856,7 @@
           <a:ln/>
           <a:extLst>
             <a:ext uri="{91240B29-F687-4f45-9708-019B960494DF}">
-              <a14:hiddenLine xmlns="" xmlns:a14="http://schemas.microsoft.com/office/drawing/2010/main" w="9525">
+              <a14:hiddenLine xmlns:a14="http://schemas.microsoft.com/office/drawing/2010/main" xmlns="" w="9525">
                 <a:solidFill>
                   <a:srgbClr val="000000"/>
                 </a:solidFill>
@@ -4964,7 +4984,7 @@
           <a:p>
             <a:fld id="{C38CFCAD-2135-4AB8-9EE0-75884872A20A}" type="datetimeFigureOut">
               <a:rPr lang="en-US" smtClean="0"/>
-              <a:t>12/22/2020</a:t>
+              <a:t>12/23/2020</a:t>
             </a:fld>
             <a:endParaRPr lang="en-US"/>
           </a:p>
@@ -5119,7 +5139,7 @@
           <a:ln/>
           <a:extLst>
             <a:ext uri="{91240B29-F687-4f45-9708-019B960494DF}">
-              <a14:hiddenLine xmlns="" xmlns:a14="http://schemas.microsoft.com/office/drawing/2010/main" w="9525">
+              <a14:hiddenLine xmlns:a14="http://schemas.microsoft.com/office/drawing/2010/main" xmlns="" w="9525">
                 <a:solidFill>
                   <a:srgbClr val="000000"/>
                 </a:solidFill>
@@ -5247,7 +5267,7 @@
           <a:p>
             <a:fld id="{C38CFCAD-2135-4AB8-9EE0-75884872A20A}" type="datetimeFigureOut">
               <a:rPr lang="en-US" smtClean="0"/>
-              <a:t>12/22/2020</a:t>
+              <a:t>12/23/2020</a:t>
             </a:fld>
             <a:endParaRPr lang="en-US"/>
           </a:p>
@@ -5590,7 +5610,7 @@
           <a:p>
             <a:fld id="{C38CFCAD-2135-4AB8-9EE0-75884872A20A}" type="datetimeFigureOut">
               <a:rPr lang="en-US" smtClean="0"/>
-              <a:t>12/22/2020</a:t>
+              <a:t>12/23/2020</a:t>
             </a:fld>
             <a:endParaRPr lang="en-US"/>
           </a:p>
@@ -5745,7 +5765,7 @@
           <a:ln/>
           <a:extLst>
             <a:ext uri="{91240B29-F687-4f45-9708-019B960494DF}">
-              <a14:hiddenLine xmlns="" xmlns:a14="http://schemas.microsoft.com/office/drawing/2010/main" w="9525">
+              <a14:hiddenLine xmlns:a14="http://schemas.microsoft.com/office/drawing/2010/main" xmlns="" w="9525">
                 <a:solidFill>
                   <a:srgbClr val="000000"/>
                 </a:solidFill>
@@ -5929,7 +5949,7 @@
           <a:p>
             <a:fld id="{C38CFCAD-2135-4AB8-9EE0-75884872A20A}" type="datetimeFigureOut">
               <a:rPr lang="en-US" smtClean="0"/>
-              <a:t>12/22/2020</a:t>
+              <a:t>12/23/2020</a:t>
             </a:fld>
             <a:endParaRPr lang="en-US"/>
           </a:p>
@@ -6084,7 +6104,7 @@
           <a:ln/>
           <a:extLst>
             <a:ext uri="{91240B29-F687-4f45-9708-019B960494DF}">
-              <a14:hiddenLine xmlns="" xmlns:a14="http://schemas.microsoft.com/office/drawing/2010/main" w="9525">
+              <a14:hiddenLine xmlns:a14="http://schemas.microsoft.com/office/drawing/2010/main" xmlns="" w="9525">
                 <a:solidFill>
                   <a:srgbClr val="000000"/>
                 </a:solidFill>
@@ -6406,7 +6426,7 @@
           <a:p>
             <a:fld id="{C38CFCAD-2135-4AB8-9EE0-75884872A20A}" type="datetimeFigureOut">
               <a:rPr lang="en-US" smtClean="0"/>
-              <a:t>12/22/2020</a:t>
+              <a:t>12/23/2020</a:t>
             </a:fld>
             <a:endParaRPr lang="en-US"/>
           </a:p>
@@ -6561,7 +6581,7 @@
           <a:ln/>
           <a:extLst>
             <a:ext uri="{91240B29-F687-4f45-9708-019B960494DF}">
-              <a14:hiddenLine xmlns="" xmlns:a14="http://schemas.microsoft.com/office/drawing/2010/main" w="9525">
+              <a14:hiddenLine xmlns:a14="http://schemas.microsoft.com/office/drawing/2010/main" xmlns="" w="9525">
                 <a:solidFill>
                   <a:srgbClr val="000000"/>
                 </a:solidFill>
@@ -6627,7 +6647,7 @@
           <a:p>
             <a:fld id="{C38CFCAD-2135-4AB8-9EE0-75884872A20A}" type="datetimeFigureOut">
               <a:rPr lang="en-US" smtClean="0"/>
-              <a:t>12/22/2020</a:t>
+              <a:t>12/23/2020</a:t>
             </a:fld>
             <a:endParaRPr lang="en-US"/>
           </a:p>
@@ -6722,7 +6742,7 @@
           <a:p>
             <a:fld id="{C38CFCAD-2135-4AB8-9EE0-75884872A20A}" type="datetimeFigureOut">
               <a:rPr lang="en-US" smtClean="0"/>
-              <a:t>12/22/2020</a:t>
+              <a:t>12/23/2020</a:t>
             </a:fld>
             <a:endParaRPr lang="en-US"/>
           </a:p>
@@ -6990,7 +7010,7 @@
           <a:ln/>
           <a:extLst>
             <a:ext uri="{91240B29-F687-4f45-9708-019B960494DF}">
-              <a14:hiddenLine xmlns="" xmlns:a14="http://schemas.microsoft.com/office/drawing/2010/main" w="9525">
+              <a14:hiddenLine xmlns:a14="http://schemas.microsoft.com/office/drawing/2010/main" xmlns="" w="9525">
                 <a:solidFill>
                   <a:srgbClr val="000000"/>
                 </a:solidFill>
@@ -7189,7 +7209,7 @@
           <a:p>
             <a:fld id="{C38CFCAD-2135-4AB8-9EE0-75884872A20A}" type="datetimeFigureOut">
               <a:rPr lang="en-US" smtClean="0"/>
-              <a:t>12/22/2020</a:t>
+              <a:t>12/23/2020</a:t>
             </a:fld>
             <a:endParaRPr lang="en-US"/>
           </a:p>
@@ -7502,7 +7522,7 @@
           <a:p>
             <a:fld id="{C38CFCAD-2135-4AB8-9EE0-75884872A20A}" type="datetimeFigureOut">
               <a:rPr lang="en-US" smtClean="0"/>
-              <a:t>12/22/2020</a:t>
+              <a:t>12/23/2020</a:t>
             </a:fld>
             <a:endParaRPr lang="en-US"/>
           </a:p>
@@ -7772,7 +7792,7 @@
           <a:p>
             <a:fld id="{C38CFCAD-2135-4AB8-9EE0-75884872A20A}" type="datetimeFigureOut">
               <a:rPr lang="en-US" smtClean="0"/>
-              <a:t>12/22/2020</a:t>
+              <a:t>12/23/2020</a:t>
             </a:fld>
             <a:endParaRPr lang="en-US"/>
           </a:p>
@@ -8318,13 +8338,13 @@
   <p:clrMapOvr>
     <a:masterClrMapping/>
   </p:clrMapOvr>
-  <mc:AlternateContent xmlns:mc="http://schemas.openxmlformats.org/markup-compatibility/2006">
-    <mc:Choice xmlns:p14="http://schemas.microsoft.com/office/powerpoint/2010/main" Requires="p14">
+  <mc:AlternateContent xmlns:mc="http://schemas.openxmlformats.org/markup-compatibility/2006" xmlns:p14="http://schemas.microsoft.com/office/powerpoint/2010/main">
+    <mc:Choice Requires="p14">
       <p:transition spd="slow" p14:dur="3400">
         <p14:reveal/>
       </p:transition>
     </mc:Choice>
-    <mc:Fallback>
+    <mc:Fallback xmlns="">
       <p:transition spd="slow">
         <p:fade/>
       </p:transition>
@@ -8551,7 +8571,7 @@
         </p:blipFill>
         <p:spPr bwMode="auto">
           <a:xfrm>
-            <a:off x="9702264" y="10837"/>
+            <a:off x="9702264" y="1601"/>
             <a:ext cx="2489735" cy="1402551"/>
           </a:xfrm>
           <a:prstGeom prst="rect">
@@ -8573,6 +8593,194 @@
     <p:extLst>
       <p:ext uri="{BB962C8B-B14F-4D97-AF65-F5344CB8AC3E}">
         <p14:creationId xmlns:p14="http://schemas.microsoft.com/office/powerpoint/2010/main" val="684177008"/>
+      </p:ext>
+    </p:extLst>
+  </p:cSld>
+  <p:clrMapOvr>
+    <a:masterClrMapping/>
+  </p:clrMapOvr>
+  <p:timing>
+    <p:tnLst>
+      <p:par>
+        <p:cTn id="1" dur="indefinite" restart="never" nodeType="tmRoot"/>
+      </p:par>
+    </p:tnLst>
+  </p:timing>
+</p:sld>
+</file>
+
+<file path=ppt/slides/slide11.xml><?xml version="1.0" encoding="utf-8"?>
+<p:sld xmlns:a="http://schemas.openxmlformats.org/drawingml/2006/main" xmlns:r="http://schemas.openxmlformats.org/officeDocument/2006/relationships" xmlns:p="http://schemas.openxmlformats.org/presentationml/2006/main">
+  <p:cSld>
+    <p:spTree>
+      <p:nvGrpSpPr>
+        <p:cNvPr id="1" name=""/>
+        <p:cNvGrpSpPr/>
+        <p:nvPr/>
+      </p:nvGrpSpPr>
+      <p:grpSpPr>
+        <a:xfrm>
+          <a:off x="0" y="0"/>
+          <a:ext cx="0" cy="0"/>
+          <a:chOff x="0" y="0"/>
+          <a:chExt cx="0" cy="0"/>
+        </a:xfrm>
+      </p:grpSpPr>
+      <p:pic>
+        <p:nvPicPr>
+          <p:cNvPr id="10" name="Picture Placeholder 9"/>
+          <p:cNvPicPr>
+            <a:picLocks noGrp="1" noChangeAspect="1"/>
+          </p:cNvPicPr>
+          <p:nvPr>
+            <p:ph type="pic" sz="quarter" idx="13"/>
+          </p:nvPr>
+        </p:nvPicPr>
+        <p:blipFill rotWithShape="1">
+          <a:blip r:embed="rId2">
+            <a:extLst>
+              <a:ext uri="{28A0092B-C50C-407E-A947-70E740481C1C}">
+                <a14:useLocalDpi xmlns:a14="http://schemas.microsoft.com/office/drawing/2010/main" val="0"/>
+              </a:ext>
+            </a:extLst>
+          </a:blip>
+          <a:srcRect l="-6923" r="200"/>
+          <a:stretch/>
+        </p:blipFill>
+        <p:spPr>
+          <a:xfrm>
+            <a:off x="7241309" y="0"/>
+            <a:ext cx="4950691" cy="6858000"/>
+          </a:xfrm>
+        </p:spPr>
+      </p:pic>
+      <p:sp>
+        <p:nvSpPr>
+          <p:cNvPr id="7" name="Title 6"/>
+          <p:cNvSpPr>
+            <a:spLocks noGrp="1"/>
+          </p:cNvSpPr>
+          <p:nvPr>
+            <p:ph type="title"/>
+          </p:nvPr>
+        </p:nvSpPr>
+        <p:spPr/>
+        <p:txBody>
+          <a:bodyPr>
+            <a:normAutofit/>
+          </a:bodyPr>
+          <a:lstStyle/>
+          <a:p>
+            <a:r>
+              <a:rPr lang="en-US" sz="4000" dirty="0"/>
+              <a:t>Demo </a:t>
+            </a:r>
+            <a:r>
+              <a:rPr lang="en-US" sz="4000" dirty="0" err="1"/>
+              <a:t>Aplikasi</a:t>
+            </a:r>
+            <a:endParaRPr lang="en-US" sz="4000" dirty="0"/>
+          </a:p>
+        </p:txBody>
+      </p:sp>
+      <p:sp>
+        <p:nvSpPr>
+          <p:cNvPr id="8" name="Text Placeholder 7"/>
+          <p:cNvSpPr>
+            <a:spLocks noGrp="1"/>
+          </p:cNvSpPr>
+          <p:nvPr>
+            <p:ph type="body" sz="half" idx="2"/>
+          </p:nvPr>
+        </p:nvSpPr>
+        <p:spPr/>
+        <p:txBody>
+          <a:bodyPr>
+            <a:normAutofit/>
+          </a:bodyPr>
+          <a:lstStyle/>
+          <a:p>
+            <a:r>
+              <a:rPr lang="en-US" sz="2000" dirty="0" err="1"/>
+              <a:t>Cek</a:t>
+            </a:r>
+            <a:r>
+              <a:rPr lang="en-US" sz="2000" dirty="0"/>
+              <a:t> </a:t>
+            </a:r>
+            <a:r>
+              <a:rPr lang="en-US" sz="2000" dirty="0" err="1" smtClean="0"/>
+              <a:t>Tagihan</a:t>
+            </a:r>
+            <a:r>
+              <a:rPr lang="en-US" sz="2000" dirty="0" smtClean="0"/>
+              <a:t> </a:t>
+            </a:r>
+            <a:r>
+              <a:rPr lang="en-US" sz="2000" dirty="0" err="1" smtClean="0"/>
+              <a:t>dengan</a:t>
+            </a:r>
+            <a:r>
+              <a:rPr lang="en-US" sz="2000" dirty="0" smtClean="0"/>
+              <a:t> </a:t>
+            </a:r>
+            <a:r>
+              <a:rPr lang="en-US" sz="2000" dirty="0" err="1" smtClean="0"/>
+              <a:t>Aplikasi</a:t>
+            </a:r>
+            <a:r>
+              <a:rPr lang="en-US" sz="2000" dirty="0" smtClean="0"/>
+              <a:t> Telkom</a:t>
+            </a:r>
+            <a:endParaRPr lang="en-US" sz="2000" dirty="0"/>
+          </a:p>
+        </p:txBody>
+      </p:sp>
+      <p:pic>
+        <p:nvPicPr>
+          <p:cNvPr id="11" name="Picture 2" descr="SHIFTED - Full Stack Engineer at BTPN Syariah (PT Bank Tabungan Pensiunan  Nasional Syariah Tbk)"/>
+          <p:cNvPicPr>
+            <a:picLocks noChangeAspect="1" noChangeArrowheads="1"/>
+          </p:cNvPicPr>
+          <p:nvPr/>
+        </p:nvPicPr>
+        <p:blipFill>
+          <a:blip r:embed="rId3" cstate="print">
+            <a:extLst>
+              <a:ext uri="{28A0092B-C50C-407E-A947-70E740481C1C}">
+                <a14:useLocalDpi xmlns:a14="http://schemas.microsoft.com/office/drawing/2010/main" val="0"/>
+              </a:ext>
+            </a:extLst>
+          </a:blip>
+          <a:srcRect/>
+          <a:stretch>
+            <a:fillRect/>
+          </a:stretch>
+        </p:blipFill>
+        <p:spPr bwMode="auto">
+          <a:xfrm>
+            <a:off x="0" y="26246"/>
+            <a:ext cx="2489735" cy="1402551"/>
+          </a:xfrm>
+          <a:prstGeom prst="rect">
+            <a:avLst/>
+          </a:prstGeom>
+          <a:noFill/>
+          <a:extLst>
+            <a:ext uri="{909E8E84-426E-40DD-AFC4-6F175D3DCCD1}">
+              <a14:hiddenFill xmlns:a14="http://schemas.microsoft.com/office/drawing/2010/main">
+                <a:solidFill>
+                  <a:srgbClr val="FFFFFF"/>
+                </a:solidFill>
+              </a14:hiddenFill>
+            </a:ext>
+          </a:extLst>
+        </p:spPr>
+      </p:pic>
+    </p:spTree>
+    <p:extLst>
+      <p:ext uri="{BB962C8B-B14F-4D97-AF65-F5344CB8AC3E}">
+        <p14:creationId xmlns:p14="http://schemas.microsoft.com/office/powerpoint/2010/main" val="2242350200"/>
       </p:ext>
     </p:extLst>
   </p:cSld>

--- a/Presentasi/Mobile Banking Application.pptx
+++ b/Presentasi/Mobile Banking Application.pptx
@@ -3059,7 +3059,7 @@
           <a:effectLst/>
           <a:extLst>
             <a:ext uri="{91240B29-F687-4f45-9708-019B960494DF}">
-              <a14:hiddenLine xmlns:a14="http://schemas.microsoft.com/office/drawing/2010/main" xmlns="" w="9525">
+              <a14:hiddenLine xmlns="" xmlns:a14="http://schemas.microsoft.com/office/drawing/2010/main" w="9525">
                 <a:solidFill>
                   <a:srgbClr val="000000"/>
                 </a:solidFill>
@@ -3251,7 +3251,7 @@
           <a:p>
             <a:fld id="{C38CFCAD-2135-4AB8-9EE0-75884872A20A}" type="datetimeFigureOut">
               <a:rPr lang="en-US" smtClean="0"/>
-              <a:t>12/23/2020</a:t>
+              <a:t>12/26/2020</a:t>
             </a:fld>
             <a:endParaRPr lang="en-US"/>
           </a:p>
@@ -3569,7 +3569,7 @@
           <a:p>
             <a:fld id="{C38CFCAD-2135-4AB8-9EE0-75884872A20A}" type="datetimeFigureOut">
               <a:rPr lang="en-US" smtClean="0"/>
-              <a:t>12/23/2020</a:t>
+              <a:t>12/26/2020</a:t>
             </a:fld>
             <a:endParaRPr lang="en-US"/>
           </a:p>
@@ -4057,7 +4057,7 @@
           <a:p>
             <a:fld id="{C38CFCAD-2135-4AB8-9EE0-75884872A20A}" type="datetimeFigureOut">
               <a:rPr lang="en-US" smtClean="0"/>
-              <a:t>12/23/2020</a:t>
+              <a:t>12/26/2020</a:t>
             </a:fld>
             <a:endParaRPr lang="en-US"/>
           </a:p>
@@ -4426,7 +4426,7 @@
           <a:p>
             <a:fld id="{C38CFCAD-2135-4AB8-9EE0-75884872A20A}" type="datetimeFigureOut">
               <a:rPr lang="en-US" smtClean="0"/>
-              <a:t>12/23/2020</a:t>
+              <a:t>12/26/2020</a:t>
             </a:fld>
             <a:endParaRPr lang="en-US"/>
           </a:p>
@@ -4581,7 +4581,7 @@
           <a:ln/>
           <a:extLst>
             <a:ext uri="{91240B29-F687-4f45-9708-019B960494DF}">
-              <a14:hiddenLine xmlns:a14="http://schemas.microsoft.com/office/drawing/2010/main" xmlns="" w="9525">
+              <a14:hiddenLine xmlns="" xmlns:a14="http://schemas.microsoft.com/office/drawing/2010/main" w="9525">
                 <a:solidFill>
                   <a:srgbClr val="000000"/>
                 </a:solidFill>
@@ -4699,7 +4699,7 @@
           <a:p>
             <a:fld id="{C38CFCAD-2135-4AB8-9EE0-75884872A20A}" type="datetimeFigureOut">
               <a:rPr lang="en-US" smtClean="0"/>
-              <a:t>12/23/2020</a:t>
+              <a:t>12/26/2020</a:t>
             </a:fld>
             <a:endParaRPr lang="en-US"/>
           </a:p>
@@ -4856,7 +4856,7 @@
           <a:ln/>
           <a:extLst>
             <a:ext uri="{91240B29-F687-4f45-9708-019B960494DF}">
-              <a14:hiddenLine xmlns:a14="http://schemas.microsoft.com/office/drawing/2010/main" xmlns="" w="9525">
+              <a14:hiddenLine xmlns="" xmlns:a14="http://schemas.microsoft.com/office/drawing/2010/main" w="9525">
                 <a:solidFill>
                   <a:srgbClr val="000000"/>
                 </a:solidFill>
@@ -4984,7 +4984,7 @@
           <a:p>
             <a:fld id="{C38CFCAD-2135-4AB8-9EE0-75884872A20A}" type="datetimeFigureOut">
               <a:rPr lang="en-US" smtClean="0"/>
-              <a:t>12/23/2020</a:t>
+              <a:t>12/26/2020</a:t>
             </a:fld>
             <a:endParaRPr lang="en-US"/>
           </a:p>
@@ -5139,7 +5139,7 @@
           <a:ln/>
           <a:extLst>
             <a:ext uri="{91240B29-F687-4f45-9708-019B960494DF}">
-              <a14:hiddenLine xmlns:a14="http://schemas.microsoft.com/office/drawing/2010/main" xmlns="" w="9525">
+              <a14:hiddenLine xmlns="" xmlns:a14="http://schemas.microsoft.com/office/drawing/2010/main" w="9525">
                 <a:solidFill>
                   <a:srgbClr val="000000"/>
                 </a:solidFill>
@@ -5267,7 +5267,7 @@
           <a:p>
             <a:fld id="{C38CFCAD-2135-4AB8-9EE0-75884872A20A}" type="datetimeFigureOut">
               <a:rPr lang="en-US" smtClean="0"/>
-              <a:t>12/23/2020</a:t>
+              <a:t>12/26/2020</a:t>
             </a:fld>
             <a:endParaRPr lang="en-US"/>
           </a:p>
@@ -5610,7 +5610,7 @@
           <a:p>
             <a:fld id="{C38CFCAD-2135-4AB8-9EE0-75884872A20A}" type="datetimeFigureOut">
               <a:rPr lang="en-US" smtClean="0"/>
-              <a:t>12/23/2020</a:t>
+              <a:t>12/26/2020</a:t>
             </a:fld>
             <a:endParaRPr lang="en-US"/>
           </a:p>
@@ -5765,7 +5765,7 @@
           <a:ln/>
           <a:extLst>
             <a:ext uri="{91240B29-F687-4f45-9708-019B960494DF}">
-              <a14:hiddenLine xmlns:a14="http://schemas.microsoft.com/office/drawing/2010/main" xmlns="" w="9525">
+              <a14:hiddenLine xmlns="" xmlns:a14="http://schemas.microsoft.com/office/drawing/2010/main" w="9525">
                 <a:solidFill>
                   <a:srgbClr val="000000"/>
                 </a:solidFill>
@@ -5949,7 +5949,7 @@
           <a:p>
             <a:fld id="{C38CFCAD-2135-4AB8-9EE0-75884872A20A}" type="datetimeFigureOut">
               <a:rPr lang="en-US" smtClean="0"/>
-              <a:t>12/23/2020</a:t>
+              <a:t>12/26/2020</a:t>
             </a:fld>
             <a:endParaRPr lang="en-US"/>
           </a:p>
@@ -6104,7 +6104,7 @@
           <a:ln/>
           <a:extLst>
             <a:ext uri="{91240B29-F687-4f45-9708-019B960494DF}">
-              <a14:hiddenLine xmlns:a14="http://schemas.microsoft.com/office/drawing/2010/main" xmlns="" w="9525">
+              <a14:hiddenLine xmlns="" xmlns:a14="http://schemas.microsoft.com/office/drawing/2010/main" w="9525">
                 <a:solidFill>
                   <a:srgbClr val="000000"/>
                 </a:solidFill>
@@ -6426,7 +6426,7 @@
           <a:p>
             <a:fld id="{C38CFCAD-2135-4AB8-9EE0-75884872A20A}" type="datetimeFigureOut">
               <a:rPr lang="en-US" smtClean="0"/>
-              <a:t>12/23/2020</a:t>
+              <a:t>12/26/2020</a:t>
             </a:fld>
             <a:endParaRPr lang="en-US"/>
           </a:p>
@@ -6581,7 +6581,7 @@
           <a:ln/>
           <a:extLst>
             <a:ext uri="{91240B29-F687-4f45-9708-019B960494DF}">
-              <a14:hiddenLine xmlns:a14="http://schemas.microsoft.com/office/drawing/2010/main" xmlns="" w="9525">
+              <a14:hiddenLine xmlns="" xmlns:a14="http://schemas.microsoft.com/office/drawing/2010/main" w="9525">
                 <a:solidFill>
                   <a:srgbClr val="000000"/>
                 </a:solidFill>
@@ -6647,7 +6647,7 @@
           <a:p>
             <a:fld id="{C38CFCAD-2135-4AB8-9EE0-75884872A20A}" type="datetimeFigureOut">
               <a:rPr lang="en-US" smtClean="0"/>
-              <a:t>12/23/2020</a:t>
+              <a:t>12/26/2020</a:t>
             </a:fld>
             <a:endParaRPr lang="en-US"/>
           </a:p>
@@ -6742,7 +6742,7 @@
           <a:p>
             <a:fld id="{C38CFCAD-2135-4AB8-9EE0-75884872A20A}" type="datetimeFigureOut">
               <a:rPr lang="en-US" smtClean="0"/>
-              <a:t>12/23/2020</a:t>
+              <a:t>12/26/2020</a:t>
             </a:fld>
             <a:endParaRPr lang="en-US"/>
           </a:p>
@@ -7010,7 +7010,7 @@
           <a:ln/>
           <a:extLst>
             <a:ext uri="{91240B29-F687-4f45-9708-019B960494DF}">
-              <a14:hiddenLine xmlns:a14="http://schemas.microsoft.com/office/drawing/2010/main" xmlns="" w="9525">
+              <a14:hiddenLine xmlns="" xmlns:a14="http://schemas.microsoft.com/office/drawing/2010/main" w="9525">
                 <a:solidFill>
                   <a:srgbClr val="000000"/>
                 </a:solidFill>
@@ -7209,7 +7209,7 @@
           <a:p>
             <a:fld id="{C38CFCAD-2135-4AB8-9EE0-75884872A20A}" type="datetimeFigureOut">
               <a:rPr lang="en-US" smtClean="0"/>
-              <a:t>12/23/2020</a:t>
+              <a:t>12/26/2020</a:t>
             </a:fld>
             <a:endParaRPr lang="en-US"/>
           </a:p>
@@ -7522,7 +7522,7 @@
           <a:p>
             <a:fld id="{C38CFCAD-2135-4AB8-9EE0-75884872A20A}" type="datetimeFigureOut">
               <a:rPr lang="en-US" smtClean="0"/>
-              <a:t>12/23/2020</a:t>
+              <a:t>12/26/2020</a:t>
             </a:fld>
             <a:endParaRPr lang="en-US"/>
           </a:p>
@@ -7792,7 +7792,7 @@
           <a:p>
             <a:fld id="{C38CFCAD-2135-4AB8-9EE0-75884872A20A}" type="datetimeFigureOut">
               <a:rPr lang="en-US" smtClean="0"/>
-              <a:t>12/23/2020</a:t>
+              <a:t>12/26/2020</a:t>
             </a:fld>
             <a:endParaRPr lang="en-US"/>
           </a:p>
@@ -10555,7 +10555,7 @@
         </p:blipFill>
         <p:spPr>
           <a:xfrm>
-            <a:off x="5801440" y="2568525"/>
+            <a:off x="5446858" y="2807630"/>
             <a:ext cx="2446027" cy="1284164"/>
           </a:xfrm>
           <a:prstGeom prst="rect">
@@ -10585,7 +10585,7 @@
         </p:blipFill>
         <p:spPr>
           <a:xfrm>
-            <a:off x="5699157" y="4375222"/>
+            <a:off x="5371849" y="4794786"/>
             <a:ext cx="2367520" cy="1223118"/>
           </a:xfrm>
           <a:prstGeom prst="rect">
@@ -10625,14 +10625,14 @@
       </p:pic>
       <p:pic>
         <p:nvPicPr>
-          <p:cNvPr id="11" name="Picture 10"/>
+          <p:cNvPr id="12" name="Picture 11"/>
           <p:cNvPicPr>
             <a:picLocks noChangeAspect="1"/>
           </p:cNvPicPr>
           <p:nvPr/>
         </p:nvPicPr>
         <p:blipFill>
-          <a:blip r:embed="rId7">
+          <a:blip r:embed="rId7" cstate="print">
             <a:extLst>
               <a:ext uri="{28A0092B-C50C-407E-A947-70E740481C1C}">
                 <a14:useLocalDpi xmlns:a14="http://schemas.microsoft.com/office/drawing/2010/main" val="0"/>
@@ -10645,37 +10645,7 @@
         </p:blipFill>
         <p:spPr>
           <a:xfrm>
-            <a:off x="920347" y="5598340"/>
-            <a:ext cx="3335981" cy="838761"/>
-          </a:xfrm>
-          <a:prstGeom prst="rect">
-            <a:avLst/>
-          </a:prstGeom>
-        </p:spPr>
-      </p:pic>
-      <p:pic>
-        <p:nvPicPr>
-          <p:cNvPr id="12" name="Picture 11"/>
-          <p:cNvPicPr>
-            <a:picLocks noChangeAspect="1"/>
-          </p:cNvPicPr>
-          <p:nvPr/>
-        </p:nvPicPr>
-        <p:blipFill>
-          <a:blip r:embed="rId8" cstate="print">
-            <a:extLst>
-              <a:ext uri="{28A0092B-C50C-407E-A947-70E740481C1C}">
-                <a14:useLocalDpi xmlns:a14="http://schemas.microsoft.com/office/drawing/2010/main" val="0"/>
-              </a:ext>
-            </a:extLst>
-          </a:blip>
-          <a:stretch>
-            <a:fillRect/>
-          </a:stretch>
-        </p:blipFill>
-        <p:spPr>
-          <a:xfrm>
-            <a:off x="920347" y="4157854"/>
+            <a:off x="756196" y="3918775"/>
             <a:ext cx="3261108" cy="825468"/>
           </a:xfrm>
           <a:prstGeom prst="rect">
@@ -10692,7 +10662,7 @@
           <p:nvPr/>
         </p:nvPicPr>
         <p:blipFill>
-          <a:blip r:embed="rId9" cstate="print">
+          <a:blip r:embed="rId8" cstate="print">
             <a:extLst>
               <a:ext uri="{28A0092B-C50C-407E-A947-70E740481C1C}">
                 <a14:useLocalDpi xmlns:a14="http://schemas.microsoft.com/office/drawing/2010/main" val="0"/>
@@ -10708,6 +10678,47 @@
           <a:xfrm>
             <a:off x="9322440" y="4542495"/>
             <a:ext cx="1894606" cy="1894606"/>
+          </a:xfrm>
+          <a:prstGeom prst="rect">
+            <a:avLst/>
+          </a:prstGeom>
+          <a:noFill/>
+          <a:extLst>
+            <a:ext uri="{909E8E84-426E-40DD-AFC4-6F175D3DCCD1}">
+              <a14:hiddenFill xmlns:a14="http://schemas.microsoft.com/office/drawing/2010/main">
+                <a:solidFill>
+                  <a:srgbClr val="FFFFFF"/>
+                </a:solidFill>
+              </a14:hiddenFill>
+            </a:ext>
+          </a:extLst>
+        </p:spPr>
+      </p:pic>
+      <p:pic>
+        <p:nvPicPr>
+          <p:cNvPr id="1026" name="Picture 2" descr="0 JPA Alternatives • tute.io"/>
+          <p:cNvPicPr>
+            <a:picLocks noChangeAspect="1" noChangeArrowheads="1"/>
+          </p:cNvPicPr>
+          <p:nvPr/>
+        </p:nvPicPr>
+        <p:blipFill>
+          <a:blip r:embed="rId9">
+            <a:extLst>
+              <a:ext uri="{28A0092B-C50C-407E-A947-70E740481C1C}">
+                <a14:useLocalDpi xmlns:a14="http://schemas.microsoft.com/office/drawing/2010/main" val="0"/>
+              </a:ext>
+            </a:extLst>
+          </a:blip>
+          <a:srcRect/>
+          <a:stretch>
+            <a:fillRect/>
+          </a:stretch>
+        </p:blipFill>
+        <p:spPr bwMode="auto">
+          <a:xfrm>
+            <a:off x="941404" y="4542495"/>
+            <a:ext cx="2438400" cy="2438400"/>
           </a:xfrm>
           <a:prstGeom prst="rect">
             <a:avLst/>

--- a/Presentasi/Mobile Banking Application.pptx
+++ b/Presentasi/Mobile Banking Application.pptx
@@ -9,13 +9,13 @@
     <p:sldId id="258" r:id="rId3"/>
     <p:sldId id="257" r:id="rId4"/>
     <p:sldId id="259" r:id="rId5"/>
-    <p:sldId id="260" r:id="rId6"/>
-    <p:sldId id="262" r:id="rId7"/>
-    <p:sldId id="261" r:id="rId8"/>
-    <p:sldId id="265" r:id="rId9"/>
-    <p:sldId id="263" r:id="rId10"/>
-    <p:sldId id="264" r:id="rId11"/>
-    <p:sldId id="266" r:id="rId12"/>
+    <p:sldId id="262" r:id="rId6"/>
+    <p:sldId id="261" r:id="rId7"/>
+    <p:sldId id="265" r:id="rId8"/>
+    <p:sldId id="263" r:id="rId9"/>
+    <p:sldId id="264" r:id="rId10"/>
+    <p:sldId id="266" r:id="rId11"/>
+    <p:sldId id="267" r:id="rId12"/>
   </p:sldIdLst>
   <p:sldSz cx="12192000" cy="6858000"/>
   <p:notesSz cx="6858000" cy="9144000"/>
@@ -122,2848 +122,6 @@
 </p:presentation>
 </file>
 
-<file path=ppt/diagrams/colors1.xml><?xml version="1.0" encoding="utf-8"?>
-<dgm:colorsDef xmlns:dgm="http://schemas.openxmlformats.org/drawingml/2006/diagram" xmlns:a="http://schemas.openxmlformats.org/drawingml/2006/main" uniqueId="urn:microsoft.com/office/officeart/2005/8/colors/colorful3">
-  <dgm:title val=""/>
-  <dgm:desc val=""/>
-  <dgm:catLst>
-    <dgm:cat type="colorful" pri="10300"/>
-  </dgm:catLst>
-  <dgm:styleLbl name="node0">
-    <dgm:fillClrLst meth="repeat">
-      <a:schemeClr val="accent2"/>
-    </dgm:fillClrLst>
-    <dgm:linClrLst meth="repeat">
-      <a:schemeClr val="lt1"/>
-    </dgm:linClrLst>
-    <dgm:effectClrLst/>
-    <dgm:txLinClrLst/>
-    <dgm:txFillClrLst/>
-    <dgm:txEffectClrLst/>
-  </dgm:styleLbl>
-  <dgm:styleLbl name="node1">
-    <dgm:fillClrLst>
-      <a:schemeClr val="accent3"/>
-      <a:schemeClr val="accent4"/>
-    </dgm:fillClrLst>
-    <dgm:linClrLst meth="repeat">
-      <a:schemeClr val="lt1"/>
-    </dgm:linClrLst>
-    <dgm:effectClrLst/>
-    <dgm:txLinClrLst/>
-    <dgm:txFillClrLst/>
-    <dgm:txEffectClrLst/>
-  </dgm:styleLbl>
-  <dgm:styleLbl name="alignNode1">
-    <dgm:fillClrLst>
-      <a:schemeClr val="accent3"/>
-      <a:schemeClr val="accent4"/>
-    </dgm:fillClrLst>
-    <dgm:linClrLst>
-      <a:schemeClr val="accent3"/>
-      <a:schemeClr val="accent4"/>
-    </dgm:linClrLst>
-    <dgm:effectClrLst/>
-    <dgm:txLinClrLst/>
-    <dgm:txFillClrLst/>
-    <dgm:txEffectClrLst/>
-  </dgm:styleLbl>
-  <dgm:styleLbl name="lnNode1">
-    <dgm:fillClrLst>
-      <a:schemeClr val="accent3"/>
-      <a:schemeClr val="accent4"/>
-    </dgm:fillClrLst>
-    <dgm:linClrLst meth="repeat">
-      <a:schemeClr val="lt1"/>
-    </dgm:linClrLst>
-    <dgm:effectClrLst/>
-    <dgm:txLinClrLst/>
-    <dgm:txFillClrLst/>
-    <dgm:txEffectClrLst/>
-  </dgm:styleLbl>
-  <dgm:styleLbl name="vennNode1">
-    <dgm:fillClrLst>
-      <a:schemeClr val="accent3">
-        <a:alpha val="50000"/>
-      </a:schemeClr>
-      <a:schemeClr val="accent4">
-        <a:alpha val="50000"/>
-      </a:schemeClr>
-    </dgm:fillClrLst>
-    <dgm:linClrLst meth="repeat">
-      <a:schemeClr val="lt1"/>
-    </dgm:linClrLst>
-    <dgm:effectClrLst/>
-    <dgm:txLinClrLst/>
-    <dgm:txFillClrLst/>
-    <dgm:txEffectClrLst/>
-  </dgm:styleLbl>
-  <dgm:styleLbl name="node2">
-    <dgm:fillClrLst>
-      <a:schemeClr val="accent4"/>
-    </dgm:fillClrLst>
-    <dgm:linClrLst meth="repeat">
-      <a:schemeClr val="lt1"/>
-    </dgm:linClrLst>
-    <dgm:effectClrLst/>
-    <dgm:txLinClrLst/>
-    <dgm:txFillClrLst/>
-    <dgm:txEffectClrLst/>
-  </dgm:styleLbl>
-  <dgm:styleLbl name="node3">
-    <dgm:fillClrLst>
-      <a:schemeClr val="accent5"/>
-    </dgm:fillClrLst>
-    <dgm:linClrLst meth="repeat">
-      <a:schemeClr val="lt1"/>
-    </dgm:linClrLst>
-    <dgm:effectClrLst/>
-    <dgm:txLinClrLst/>
-    <dgm:txFillClrLst/>
-    <dgm:txEffectClrLst/>
-  </dgm:styleLbl>
-  <dgm:styleLbl name="node4">
-    <dgm:fillClrLst>
-      <a:schemeClr val="accent6"/>
-    </dgm:fillClrLst>
-    <dgm:linClrLst meth="repeat">
-      <a:schemeClr val="lt1"/>
-    </dgm:linClrLst>
-    <dgm:effectClrLst/>
-    <dgm:txLinClrLst/>
-    <dgm:txFillClrLst/>
-    <dgm:txEffectClrLst/>
-  </dgm:styleLbl>
-  <dgm:styleLbl name="fgImgPlace1">
-    <dgm:fillClrLst>
-      <a:schemeClr val="accent3">
-        <a:tint val="50000"/>
-      </a:schemeClr>
-      <a:schemeClr val="accent4">
-        <a:tint val="50000"/>
-      </a:schemeClr>
-    </dgm:fillClrLst>
-    <dgm:linClrLst meth="repeat">
-      <a:schemeClr val="lt1"/>
-    </dgm:linClrLst>
-    <dgm:effectClrLst/>
-    <dgm:txLinClrLst/>
-    <dgm:txFillClrLst meth="repeat">
-      <a:schemeClr val="lt1"/>
-    </dgm:txFillClrLst>
-    <dgm:txEffectClrLst/>
-  </dgm:styleLbl>
-  <dgm:styleLbl name="alignImgPlace1">
-    <dgm:fillClrLst>
-      <a:schemeClr val="accent3">
-        <a:tint val="50000"/>
-      </a:schemeClr>
-      <a:schemeClr val="accent4">
-        <a:tint val="20000"/>
-      </a:schemeClr>
-    </dgm:fillClrLst>
-    <dgm:linClrLst meth="repeat">
-      <a:schemeClr val="lt1"/>
-    </dgm:linClrLst>
-    <dgm:effectClrLst/>
-    <dgm:txLinClrLst/>
-    <dgm:txFillClrLst meth="repeat">
-      <a:schemeClr val="lt1"/>
-    </dgm:txFillClrLst>
-    <dgm:txEffectClrLst/>
-  </dgm:styleLbl>
-  <dgm:styleLbl name="bgImgPlace1">
-    <dgm:fillClrLst>
-      <a:schemeClr val="accent3">
-        <a:tint val="50000"/>
-      </a:schemeClr>
-      <a:schemeClr val="accent4">
-        <a:tint val="20000"/>
-      </a:schemeClr>
-    </dgm:fillClrLst>
-    <dgm:linClrLst meth="repeat">
-      <a:schemeClr val="lt1"/>
-    </dgm:linClrLst>
-    <dgm:effectClrLst/>
-    <dgm:txLinClrLst/>
-    <dgm:txFillClrLst meth="repeat">
-      <a:schemeClr val="lt1"/>
-    </dgm:txFillClrLst>
-    <dgm:txEffectClrLst/>
-  </dgm:styleLbl>
-  <dgm:styleLbl name="sibTrans2D1">
-    <dgm:fillClrLst>
-      <a:schemeClr val="accent3"/>
-      <a:schemeClr val="accent4"/>
-    </dgm:fillClrLst>
-    <dgm:linClrLst meth="repeat">
-      <a:schemeClr val="lt1"/>
-    </dgm:linClrLst>
-    <dgm:effectClrLst/>
-    <dgm:txLinClrLst/>
-    <dgm:txFillClrLst/>
-    <dgm:txEffectClrLst/>
-  </dgm:styleLbl>
-  <dgm:styleLbl name="fgSibTrans2D1">
-    <dgm:fillClrLst>
-      <a:schemeClr val="accent3"/>
-      <a:schemeClr val="accent4"/>
-    </dgm:fillClrLst>
-    <dgm:linClrLst meth="repeat">
-      <a:schemeClr val="lt1"/>
-    </dgm:linClrLst>
-    <dgm:effectClrLst/>
-    <dgm:txLinClrLst/>
-    <dgm:txFillClrLst meth="repeat">
-      <a:schemeClr val="lt1"/>
-    </dgm:txFillClrLst>
-    <dgm:txEffectClrLst/>
-  </dgm:styleLbl>
-  <dgm:styleLbl name="bgSibTrans2D1">
-    <dgm:fillClrLst>
-      <a:schemeClr val="accent3"/>
-      <a:schemeClr val="accent4"/>
-    </dgm:fillClrLst>
-    <dgm:linClrLst meth="repeat">
-      <a:schemeClr val="lt1"/>
-    </dgm:linClrLst>
-    <dgm:effectClrLst/>
-    <dgm:txLinClrLst/>
-    <dgm:txFillClrLst meth="repeat">
-      <a:schemeClr val="lt1"/>
-    </dgm:txFillClrLst>
-    <dgm:txEffectClrLst/>
-  </dgm:styleLbl>
-  <dgm:styleLbl name="sibTrans1D1">
-    <dgm:fillClrLst/>
-    <dgm:linClrLst>
-      <a:schemeClr val="accent3"/>
-      <a:schemeClr val="accent4"/>
-    </dgm:linClrLst>
-    <dgm:effectClrLst/>
-    <dgm:txLinClrLst/>
-    <dgm:txFillClrLst meth="repeat">
-      <a:schemeClr val="tx1"/>
-    </dgm:txFillClrLst>
-    <dgm:txEffectClrLst/>
-  </dgm:styleLbl>
-  <dgm:styleLbl name="callout">
-    <dgm:fillClrLst meth="repeat">
-      <a:schemeClr val="accent3"/>
-    </dgm:fillClrLst>
-    <dgm:linClrLst meth="repeat">
-      <a:schemeClr val="accent3">
-        <a:tint val="50000"/>
-      </a:schemeClr>
-    </dgm:linClrLst>
-    <dgm:effectClrLst/>
-    <dgm:txLinClrLst/>
-    <dgm:txFillClrLst meth="repeat">
-      <a:schemeClr val="tx1"/>
-    </dgm:txFillClrLst>
-    <dgm:txEffectClrLst/>
-  </dgm:styleLbl>
-  <dgm:styleLbl name="asst0">
-    <dgm:fillClrLst meth="repeat">
-      <a:schemeClr val="accent3"/>
-    </dgm:fillClrLst>
-    <dgm:linClrLst meth="repeat">
-      <a:schemeClr val="lt1">
-        <a:shade val="80000"/>
-      </a:schemeClr>
-    </dgm:linClrLst>
-    <dgm:effectClrLst/>
-    <dgm:txLinClrLst/>
-    <dgm:txFillClrLst/>
-    <dgm:txEffectClrLst/>
-  </dgm:styleLbl>
-  <dgm:styleLbl name="asst1">
-    <dgm:fillClrLst meth="repeat">
-      <a:schemeClr val="accent4"/>
-    </dgm:fillClrLst>
-    <dgm:linClrLst meth="repeat">
-      <a:schemeClr val="lt1">
-        <a:shade val="80000"/>
-      </a:schemeClr>
-    </dgm:linClrLst>
-    <dgm:effectClrLst/>
-    <dgm:txLinClrLst/>
-    <dgm:txFillClrLst/>
-    <dgm:txEffectClrLst/>
-  </dgm:styleLbl>
-  <dgm:styleLbl name="asst2">
-    <dgm:fillClrLst>
-      <a:schemeClr val="accent5"/>
-    </dgm:fillClrLst>
-    <dgm:linClrLst meth="repeat">
-      <a:schemeClr val="lt1"/>
-    </dgm:linClrLst>
-    <dgm:effectClrLst/>
-    <dgm:txLinClrLst/>
-    <dgm:txFillClrLst/>
-    <dgm:txEffectClrLst/>
-  </dgm:styleLbl>
-  <dgm:styleLbl name="asst3">
-    <dgm:fillClrLst>
-      <a:schemeClr val="accent6"/>
-    </dgm:fillClrLst>
-    <dgm:linClrLst meth="repeat">
-      <a:schemeClr val="lt1"/>
-    </dgm:linClrLst>
-    <dgm:effectClrLst/>
-    <dgm:txLinClrLst/>
-    <dgm:txFillClrLst/>
-    <dgm:txEffectClrLst/>
-  </dgm:styleLbl>
-  <dgm:styleLbl name="asst4">
-    <dgm:fillClrLst>
-      <a:schemeClr val="accent1"/>
-    </dgm:fillClrLst>
-    <dgm:linClrLst meth="repeat">
-      <a:schemeClr val="lt1"/>
-    </dgm:linClrLst>
-    <dgm:effectClrLst/>
-    <dgm:txLinClrLst/>
-    <dgm:txFillClrLst/>
-    <dgm:txEffectClrLst/>
-  </dgm:styleLbl>
-  <dgm:styleLbl name="parChTrans2D1">
-    <dgm:fillClrLst meth="repeat">
-      <a:schemeClr val="accent2"/>
-    </dgm:fillClrLst>
-    <dgm:linClrLst meth="repeat">
-      <a:schemeClr val="lt1"/>
-    </dgm:linClrLst>
-    <dgm:effectClrLst/>
-    <dgm:txLinClrLst/>
-    <dgm:txFillClrLst meth="repeat">
-      <a:schemeClr val="lt1"/>
-    </dgm:txFillClrLst>
-    <dgm:txEffectClrLst/>
-  </dgm:styleLbl>
-  <dgm:styleLbl name="parChTrans2D2">
-    <dgm:fillClrLst meth="repeat">
-      <a:schemeClr val="accent3"/>
-    </dgm:fillClrLst>
-    <dgm:linClrLst meth="repeat">
-      <a:schemeClr val="lt1"/>
-    </dgm:linClrLst>
-    <dgm:effectClrLst/>
-    <dgm:txLinClrLst/>
-    <dgm:txFillClrLst/>
-    <dgm:txEffectClrLst/>
-  </dgm:styleLbl>
-  <dgm:styleLbl name="parChTrans2D3">
-    <dgm:fillClrLst meth="repeat">
-      <a:schemeClr val="accent4"/>
-    </dgm:fillClrLst>
-    <dgm:linClrLst meth="repeat">
-      <a:schemeClr val="lt1"/>
-    </dgm:linClrLst>
-    <dgm:effectClrLst/>
-    <dgm:txLinClrLst/>
-    <dgm:txFillClrLst/>
-    <dgm:txEffectClrLst/>
-  </dgm:styleLbl>
-  <dgm:styleLbl name="parChTrans2D4">
-    <dgm:fillClrLst meth="repeat">
-      <a:schemeClr val="accent5"/>
-    </dgm:fillClrLst>
-    <dgm:linClrLst meth="repeat">
-      <a:schemeClr val="lt1"/>
-    </dgm:linClrLst>
-    <dgm:effectClrLst/>
-    <dgm:txLinClrLst/>
-    <dgm:txFillClrLst meth="repeat">
-      <a:schemeClr val="lt1"/>
-    </dgm:txFillClrLst>
-    <dgm:txEffectClrLst/>
-  </dgm:styleLbl>
-  <dgm:styleLbl name="parChTrans1D1">
-    <dgm:fillClrLst meth="repeat">
-      <a:schemeClr val="accent3"/>
-    </dgm:fillClrLst>
-    <dgm:linClrLst meth="repeat">
-      <a:schemeClr val="accent3"/>
-    </dgm:linClrLst>
-    <dgm:effectClrLst/>
-    <dgm:txLinClrLst/>
-    <dgm:txFillClrLst meth="repeat">
-      <a:schemeClr val="tx1"/>
-    </dgm:txFillClrLst>
-    <dgm:txEffectClrLst/>
-  </dgm:styleLbl>
-  <dgm:styleLbl name="parChTrans1D2">
-    <dgm:fillClrLst meth="repeat">
-      <a:schemeClr val="accent2">
-        <a:tint val="90000"/>
-      </a:schemeClr>
-    </dgm:fillClrLst>
-    <dgm:linClrLst meth="repeat">
-      <a:schemeClr val="accent4"/>
-    </dgm:linClrLst>
-    <dgm:effectClrLst/>
-    <dgm:txLinClrLst/>
-    <dgm:txFillClrLst meth="repeat">
-      <a:schemeClr val="tx1"/>
-    </dgm:txFillClrLst>
-    <dgm:txEffectClrLst/>
-  </dgm:styleLbl>
-  <dgm:styleLbl name="parChTrans1D3">
-    <dgm:fillClrLst meth="repeat">
-      <a:schemeClr val="accent2">
-        <a:tint val="70000"/>
-      </a:schemeClr>
-    </dgm:fillClrLst>
-    <dgm:linClrLst meth="repeat">
-      <a:schemeClr val="accent5"/>
-    </dgm:linClrLst>
-    <dgm:effectClrLst/>
-    <dgm:txLinClrLst/>
-    <dgm:txFillClrLst meth="repeat">
-      <a:schemeClr val="tx1"/>
-    </dgm:txFillClrLst>
-    <dgm:txEffectClrLst/>
-  </dgm:styleLbl>
-  <dgm:styleLbl name="parChTrans1D4">
-    <dgm:fillClrLst meth="repeat">
-      <a:schemeClr val="accent6">
-        <a:tint val="50000"/>
-      </a:schemeClr>
-    </dgm:fillClrLst>
-    <dgm:linClrLst meth="repeat">
-      <a:schemeClr val="accent6"/>
-    </dgm:linClrLst>
-    <dgm:effectClrLst/>
-    <dgm:txLinClrLst/>
-    <dgm:txFillClrLst meth="repeat">
-      <a:schemeClr val="tx1"/>
-    </dgm:txFillClrLst>
-    <dgm:txEffectClrLst/>
-  </dgm:styleLbl>
-  <dgm:styleLbl name="fgAcc1">
-    <dgm:fillClrLst meth="repeat">
-      <a:schemeClr val="lt1">
-        <a:alpha val="90000"/>
-      </a:schemeClr>
-    </dgm:fillClrLst>
-    <dgm:linClrLst>
-      <a:schemeClr val="accent3"/>
-      <a:schemeClr val="accent4"/>
-    </dgm:linClrLst>
-    <dgm:effectClrLst/>
-    <dgm:txLinClrLst/>
-    <dgm:txFillClrLst meth="repeat">
-      <a:schemeClr val="dk1"/>
-    </dgm:txFillClrLst>
-    <dgm:txEffectClrLst/>
-  </dgm:styleLbl>
-  <dgm:styleLbl name="conFgAcc1">
-    <dgm:fillClrLst meth="repeat">
-      <a:schemeClr val="lt1">
-        <a:alpha val="90000"/>
-      </a:schemeClr>
-    </dgm:fillClrLst>
-    <dgm:linClrLst>
-      <a:schemeClr val="accent3"/>
-      <a:schemeClr val="accent4"/>
-    </dgm:linClrLst>
-    <dgm:effectClrLst/>
-    <dgm:txLinClrLst/>
-    <dgm:txFillClrLst meth="repeat">
-      <a:schemeClr val="dk1"/>
-    </dgm:txFillClrLst>
-    <dgm:txEffectClrLst/>
-  </dgm:styleLbl>
-  <dgm:styleLbl name="alignAcc1">
-    <dgm:fillClrLst meth="repeat">
-      <a:schemeClr val="lt1">
-        <a:alpha val="90000"/>
-      </a:schemeClr>
-    </dgm:fillClrLst>
-    <dgm:linClrLst>
-      <a:schemeClr val="accent3"/>
-      <a:schemeClr val="accent4"/>
-    </dgm:linClrLst>
-    <dgm:effectClrLst/>
-    <dgm:txLinClrLst/>
-    <dgm:txFillClrLst meth="repeat">
-      <a:schemeClr val="dk1"/>
-    </dgm:txFillClrLst>
-    <dgm:txEffectClrLst/>
-  </dgm:styleLbl>
-  <dgm:styleLbl name="trAlignAcc1">
-    <dgm:fillClrLst meth="repeat">
-      <a:schemeClr val="lt1">
-        <a:alpha val="40000"/>
-      </a:schemeClr>
-    </dgm:fillClrLst>
-    <dgm:linClrLst meth="repeat">
-      <a:schemeClr val="accent2"/>
-    </dgm:linClrLst>
-    <dgm:effectClrLst/>
-    <dgm:txLinClrLst/>
-    <dgm:txFillClrLst meth="repeat">
-      <a:schemeClr val="dk1"/>
-    </dgm:txFillClrLst>
-    <dgm:txEffectClrLst/>
-  </dgm:styleLbl>
-  <dgm:styleLbl name="bgAcc1">
-    <dgm:fillClrLst meth="repeat">
-      <a:schemeClr val="lt1">
-        <a:alpha val="90000"/>
-      </a:schemeClr>
-    </dgm:fillClrLst>
-    <dgm:linClrLst>
-      <a:schemeClr val="accent3"/>
-      <a:schemeClr val="accent4"/>
-    </dgm:linClrLst>
-    <dgm:effectClrLst/>
-    <dgm:txLinClrLst/>
-    <dgm:txFillClrLst meth="repeat">
-      <a:schemeClr val="dk1"/>
-    </dgm:txFillClrLst>
-    <dgm:txEffectClrLst/>
-  </dgm:styleLbl>
-  <dgm:styleLbl name="solidFgAcc1">
-    <dgm:fillClrLst meth="repeat">
-      <a:schemeClr val="lt1"/>
-    </dgm:fillClrLst>
-    <dgm:linClrLst>
-      <a:schemeClr val="accent3"/>
-      <a:schemeClr val="accent4"/>
-    </dgm:linClrLst>
-    <dgm:effectClrLst/>
-    <dgm:txLinClrLst/>
-    <dgm:txFillClrLst meth="repeat">
-      <a:schemeClr val="dk1"/>
-    </dgm:txFillClrLst>
-    <dgm:txEffectClrLst/>
-  </dgm:styleLbl>
-  <dgm:styleLbl name="solidAlignAcc1">
-    <dgm:fillClrLst meth="repeat">
-      <a:schemeClr val="lt1"/>
-    </dgm:fillClrLst>
-    <dgm:linClrLst>
-      <a:schemeClr val="accent3"/>
-      <a:schemeClr val="accent4"/>
-    </dgm:linClrLst>
-    <dgm:effectClrLst/>
-    <dgm:txLinClrLst/>
-    <dgm:txFillClrLst meth="repeat">
-      <a:schemeClr val="dk1"/>
-    </dgm:txFillClrLst>
-    <dgm:txEffectClrLst/>
-  </dgm:styleLbl>
-  <dgm:styleLbl name="solidBgAcc1">
-    <dgm:fillClrLst meth="repeat">
-      <a:schemeClr val="lt1"/>
-    </dgm:fillClrLst>
-    <dgm:linClrLst>
-      <a:schemeClr val="accent3"/>
-      <a:schemeClr val="accent4"/>
-    </dgm:linClrLst>
-    <dgm:effectClrLst/>
-    <dgm:txLinClrLst/>
-    <dgm:txFillClrLst meth="repeat">
-      <a:schemeClr val="dk1"/>
-    </dgm:txFillClrLst>
-    <dgm:txEffectClrLst/>
-  </dgm:styleLbl>
-  <dgm:styleLbl name="fgAccFollowNode1">
-    <dgm:fillClrLst>
-      <a:schemeClr val="accent3">
-        <a:tint val="40000"/>
-        <a:alpha val="90000"/>
-      </a:schemeClr>
-      <a:schemeClr val="accent4">
-        <a:tint val="40000"/>
-        <a:alpha val="90000"/>
-      </a:schemeClr>
-    </dgm:fillClrLst>
-    <dgm:linClrLst>
-      <a:schemeClr val="accent3">
-        <a:tint val="40000"/>
-        <a:alpha val="90000"/>
-      </a:schemeClr>
-      <a:schemeClr val="accent4">
-        <a:tint val="40000"/>
-        <a:alpha val="90000"/>
-      </a:schemeClr>
-    </dgm:linClrLst>
-    <dgm:effectClrLst/>
-    <dgm:txLinClrLst/>
-    <dgm:txFillClrLst meth="repeat">
-      <a:schemeClr val="dk1"/>
-    </dgm:txFillClrLst>
-    <dgm:txEffectClrLst/>
-  </dgm:styleLbl>
-  <dgm:styleLbl name="alignAccFollowNode1">
-    <dgm:fillClrLst>
-      <a:schemeClr val="accent3">
-        <a:tint val="40000"/>
-        <a:alpha val="90000"/>
-      </a:schemeClr>
-      <a:schemeClr val="accent4">
-        <a:tint val="40000"/>
-        <a:alpha val="90000"/>
-      </a:schemeClr>
-    </dgm:fillClrLst>
-    <dgm:linClrLst>
-      <a:schemeClr val="accent3">
-        <a:tint val="40000"/>
-        <a:alpha val="90000"/>
-      </a:schemeClr>
-      <a:schemeClr val="accent4">
-        <a:tint val="40000"/>
-        <a:alpha val="90000"/>
-      </a:schemeClr>
-    </dgm:linClrLst>
-    <dgm:effectClrLst/>
-    <dgm:txLinClrLst/>
-    <dgm:txFillClrLst meth="repeat">
-      <a:schemeClr val="dk1"/>
-    </dgm:txFillClrLst>
-    <dgm:txEffectClrLst/>
-  </dgm:styleLbl>
-  <dgm:styleLbl name="bgAccFollowNode1">
-    <dgm:fillClrLst>
-      <a:schemeClr val="accent3">
-        <a:tint val="40000"/>
-        <a:alpha val="90000"/>
-      </a:schemeClr>
-      <a:schemeClr val="accent4">
-        <a:tint val="40000"/>
-        <a:alpha val="90000"/>
-      </a:schemeClr>
-    </dgm:fillClrLst>
-    <dgm:linClrLst>
-      <a:schemeClr val="accent3">
-        <a:tint val="40000"/>
-        <a:alpha val="90000"/>
-      </a:schemeClr>
-      <a:schemeClr val="accent4">
-        <a:tint val="40000"/>
-        <a:alpha val="90000"/>
-      </a:schemeClr>
-    </dgm:linClrLst>
-    <dgm:effectClrLst/>
-    <dgm:txLinClrLst/>
-    <dgm:txFillClrLst meth="repeat">
-      <a:schemeClr val="dk1"/>
-    </dgm:txFillClrLst>
-    <dgm:txEffectClrLst/>
-  </dgm:styleLbl>
-  <dgm:styleLbl name="fgAcc0">
-    <dgm:fillClrLst meth="repeat">
-      <a:schemeClr val="lt1">
-        <a:alpha val="90000"/>
-      </a:schemeClr>
-    </dgm:fillClrLst>
-    <dgm:linClrLst>
-      <a:schemeClr val="accent2"/>
-    </dgm:linClrLst>
-    <dgm:effectClrLst/>
-    <dgm:txLinClrLst/>
-    <dgm:txFillClrLst meth="repeat">
-      <a:schemeClr val="dk1"/>
-    </dgm:txFillClrLst>
-    <dgm:txEffectClrLst/>
-  </dgm:styleLbl>
-  <dgm:styleLbl name="fgAcc2">
-    <dgm:fillClrLst meth="repeat">
-      <a:schemeClr val="lt1">
-        <a:alpha val="90000"/>
-      </a:schemeClr>
-    </dgm:fillClrLst>
-    <dgm:linClrLst>
-      <a:schemeClr val="accent4"/>
-    </dgm:linClrLst>
-    <dgm:effectClrLst/>
-    <dgm:txLinClrLst/>
-    <dgm:txFillClrLst meth="repeat">
-      <a:schemeClr val="dk1"/>
-    </dgm:txFillClrLst>
-    <dgm:txEffectClrLst/>
-  </dgm:styleLbl>
-  <dgm:styleLbl name="fgAcc3">
-    <dgm:fillClrLst meth="repeat">
-      <a:schemeClr val="lt1">
-        <a:alpha val="90000"/>
-      </a:schemeClr>
-    </dgm:fillClrLst>
-    <dgm:linClrLst>
-      <a:schemeClr val="accent5"/>
-    </dgm:linClrLst>
-    <dgm:effectClrLst/>
-    <dgm:txLinClrLst/>
-    <dgm:txFillClrLst meth="repeat">
-      <a:schemeClr val="dk1"/>
-    </dgm:txFillClrLst>
-    <dgm:txEffectClrLst/>
-  </dgm:styleLbl>
-  <dgm:styleLbl name="fgAcc4">
-    <dgm:fillClrLst meth="repeat">
-      <a:schemeClr val="lt1">
-        <a:alpha val="90000"/>
-      </a:schemeClr>
-    </dgm:fillClrLst>
-    <dgm:linClrLst>
-      <a:schemeClr val="accent6"/>
-    </dgm:linClrLst>
-    <dgm:effectClrLst/>
-    <dgm:txLinClrLst/>
-    <dgm:txFillClrLst meth="repeat">
-      <a:schemeClr val="dk1"/>
-    </dgm:txFillClrLst>
-    <dgm:txEffectClrLst/>
-  </dgm:styleLbl>
-  <dgm:styleLbl name="bgShp">
-    <dgm:fillClrLst meth="repeat">
-      <a:schemeClr val="accent3">
-        <a:tint val="40000"/>
-      </a:schemeClr>
-    </dgm:fillClrLst>
-    <dgm:linClrLst meth="repeat">
-      <a:schemeClr val="dk1"/>
-    </dgm:linClrLst>
-    <dgm:effectClrLst/>
-    <dgm:txLinClrLst/>
-    <dgm:txFillClrLst meth="repeat">
-      <a:schemeClr val="dk1"/>
-    </dgm:txFillClrLst>
-    <dgm:txEffectClrLst/>
-  </dgm:styleLbl>
-  <dgm:styleLbl name="dkBgShp">
-    <dgm:fillClrLst meth="repeat">
-      <a:schemeClr val="accent3">
-        <a:shade val="90000"/>
-      </a:schemeClr>
-    </dgm:fillClrLst>
-    <dgm:linClrLst meth="repeat">
-      <a:schemeClr val="dk1"/>
-    </dgm:linClrLst>
-    <dgm:effectClrLst/>
-    <dgm:txLinClrLst/>
-    <dgm:txFillClrLst meth="repeat">
-      <a:schemeClr val="lt1"/>
-    </dgm:txFillClrLst>
-    <dgm:txEffectClrLst/>
-  </dgm:styleLbl>
-  <dgm:styleLbl name="trBgShp">
-    <dgm:fillClrLst meth="repeat">
-      <a:schemeClr val="accent2">
-        <a:tint val="50000"/>
-        <a:alpha val="40000"/>
-      </a:schemeClr>
-    </dgm:fillClrLst>
-    <dgm:linClrLst meth="repeat">
-      <a:schemeClr val="accent3"/>
-    </dgm:linClrLst>
-    <dgm:effectClrLst/>
-    <dgm:txLinClrLst/>
-    <dgm:txFillClrLst meth="repeat">
-      <a:schemeClr val="lt1"/>
-    </dgm:txFillClrLst>
-    <dgm:txEffectClrLst/>
-  </dgm:styleLbl>
-  <dgm:styleLbl name="fgShp">
-    <dgm:fillClrLst meth="repeat">
-      <a:schemeClr val="accent3">
-        <a:tint val="40000"/>
-      </a:schemeClr>
-    </dgm:fillClrLst>
-    <dgm:linClrLst meth="repeat">
-      <a:schemeClr val="lt1"/>
-    </dgm:linClrLst>
-    <dgm:effectClrLst/>
-    <dgm:txLinClrLst/>
-    <dgm:txFillClrLst meth="repeat">
-      <a:schemeClr val="dk1"/>
-    </dgm:txFillClrLst>
-    <dgm:txEffectClrLst/>
-  </dgm:styleLbl>
-  <dgm:styleLbl name="revTx">
-    <dgm:fillClrLst meth="repeat">
-      <a:schemeClr val="lt1">
-        <a:alpha val="0"/>
-      </a:schemeClr>
-    </dgm:fillClrLst>
-    <dgm:linClrLst meth="repeat">
-      <a:schemeClr val="dk1">
-        <a:alpha val="0"/>
-      </a:schemeClr>
-    </dgm:linClrLst>
-    <dgm:effectClrLst/>
-    <dgm:txLinClrLst/>
-    <dgm:txFillClrLst meth="repeat">
-      <a:schemeClr val="tx1"/>
-    </dgm:txFillClrLst>
-    <dgm:txEffectClrLst/>
-  </dgm:styleLbl>
-</dgm:colorsDef>
-</file>
-
-<file path=ppt/diagrams/data1.xml><?xml version="1.0" encoding="utf-8"?>
-<dgm:dataModel xmlns:dgm="http://schemas.openxmlformats.org/drawingml/2006/diagram" xmlns:a="http://schemas.openxmlformats.org/drawingml/2006/main">
-  <dgm:ptLst>
-    <dgm:pt modelId="{C0A81EA0-F005-47E3-83CD-A40C8C4E489F}" type="doc">
-      <dgm:prSet loTypeId="urn:microsoft.com/office/officeart/2005/8/layout/chevronAccent+Icon" loCatId="process" qsTypeId="urn:microsoft.com/office/officeart/2005/8/quickstyle/simple1" qsCatId="simple" csTypeId="urn:microsoft.com/office/officeart/2005/8/colors/colorful3" csCatId="colorful" phldr="1"/>
-      <dgm:spPr/>
-    </dgm:pt>
-    <dgm:pt modelId="{1409826C-7E09-4F70-AC57-74B9E66755BB}">
-      <dgm:prSet phldrT="[Text]"/>
-      <dgm:spPr/>
-      <dgm:t>
-        <a:bodyPr/>
-        <a:lstStyle/>
-        <a:p>
-          <a:r>
-            <a:rPr lang="en-US" b="1" dirty="0" err="1" smtClean="0"/>
-            <a:t>Perencanaan</a:t>
-          </a:r>
-          <a:endParaRPr lang="en-US" b="1" dirty="0"/>
-        </a:p>
-      </dgm:t>
-    </dgm:pt>
-    <dgm:pt modelId="{E0E380CF-55C4-4D39-8116-4471CC7AF2B2}" type="parTrans" cxnId="{1319414E-D787-4B72-992A-0165C4EA888A}">
-      <dgm:prSet/>
-      <dgm:spPr/>
-      <dgm:t>
-        <a:bodyPr/>
-        <a:lstStyle/>
-        <a:p>
-          <a:endParaRPr lang="en-US"/>
-        </a:p>
-      </dgm:t>
-    </dgm:pt>
-    <dgm:pt modelId="{BDF7C9A0-C8D5-4C80-B6F0-80EB633157C7}" type="sibTrans" cxnId="{1319414E-D787-4B72-992A-0165C4EA888A}">
-      <dgm:prSet/>
-      <dgm:spPr/>
-      <dgm:t>
-        <a:bodyPr/>
-        <a:lstStyle/>
-        <a:p>
-          <a:endParaRPr lang="en-US"/>
-        </a:p>
-      </dgm:t>
-    </dgm:pt>
-    <dgm:pt modelId="{08D4CB80-24D3-4E74-8524-38BA67D58413}">
-      <dgm:prSet phldrT="[Text]"/>
-      <dgm:spPr/>
-      <dgm:t>
-        <a:bodyPr/>
-        <a:lstStyle/>
-        <a:p>
-          <a:r>
-            <a:rPr lang="en-US" b="1" dirty="0" err="1" smtClean="0"/>
-            <a:t>Perancanngan</a:t>
-          </a:r>
-          <a:endParaRPr lang="en-US" b="1" dirty="0"/>
-        </a:p>
-      </dgm:t>
-    </dgm:pt>
-    <dgm:pt modelId="{E0C3BE55-F24B-4B52-BF1C-4F5F9FAFCD0B}" type="parTrans" cxnId="{5110EAB3-6AB9-46CA-B78B-7674F5FBE836}">
-      <dgm:prSet/>
-      <dgm:spPr/>
-      <dgm:t>
-        <a:bodyPr/>
-        <a:lstStyle/>
-        <a:p>
-          <a:endParaRPr lang="en-US"/>
-        </a:p>
-      </dgm:t>
-    </dgm:pt>
-    <dgm:pt modelId="{F10DC573-DDCC-4A8B-B66F-BCFF134FB165}" type="sibTrans" cxnId="{5110EAB3-6AB9-46CA-B78B-7674F5FBE836}">
-      <dgm:prSet/>
-      <dgm:spPr/>
-      <dgm:t>
-        <a:bodyPr/>
-        <a:lstStyle/>
-        <a:p>
-          <a:endParaRPr lang="en-US"/>
-        </a:p>
-      </dgm:t>
-    </dgm:pt>
-    <dgm:pt modelId="{1CB8BD44-B586-4FA6-A384-81895B600AE1}">
-      <dgm:prSet phldrT="[Text]"/>
-      <dgm:spPr/>
-      <dgm:t>
-        <a:bodyPr/>
-        <a:lstStyle/>
-        <a:p>
-          <a:r>
-            <a:rPr lang="en-US" b="1" dirty="0" err="1" smtClean="0"/>
-            <a:t>Penulisan</a:t>
-          </a:r>
-          <a:r>
-            <a:rPr lang="en-US" b="1" dirty="0" smtClean="0"/>
-            <a:t> </a:t>
-          </a:r>
-          <a:r>
-            <a:rPr lang="en-US" b="1" dirty="0" err="1" smtClean="0"/>
-            <a:t>Kode</a:t>
-          </a:r>
-          <a:endParaRPr lang="en-US" b="1" dirty="0"/>
-        </a:p>
-      </dgm:t>
-    </dgm:pt>
-    <dgm:pt modelId="{509A24D2-48B2-4487-AD62-0F8AD6EB19A0}" type="parTrans" cxnId="{6F00FD8B-D24F-45E2-801C-00897D7C39FE}">
-      <dgm:prSet/>
-      <dgm:spPr/>
-      <dgm:t>
-        <a:bodyPr/>
-        <a:lstStyle/>
-        <a:p>
-          <a:endParaRPr lang="en-US"/>
-        </a:p>
-      </dgm:t>
-    </dgm:pt>
-    <dgm:pt modelId="{0154ADBE-C7DA-4F30-8F10-58553CBBFE64}" type="sibTrans" cxnId="{6F00FD8B-D24F-45E2-801C-00897D7C39FE}">
-      <dgm:prSet/>
-      <dgm:spPr/>
-      <dgm:t>
-        <a:bodyPr/>
-        <a:lstStyle/>
-        <a:p>
-          <a:endParaRPr lang="en-US"/>
-        </a:p>
-      </dgm:t>
-    </dgm:pt>
-    <dgm:pt modelId="{78930918-2603-4F22-8D6F-9C15F91218BE}">
-      <dgm:prSet phldrT="[Text]"/>
-      <dgm:spPr/>
-      <dgm:t>
-        <a:bodyPr/>
-        <a:lstStyle/>
-        <a:p>
-          <a:r>
-            <a:rPr lang="en-US" b="1" dirty="0" err="1" smtClean="0"/>
-            <a:t>Pengetesan</a:t>
-          </a:r>
-          <a:r>
-            <a:rPr lang="en-US" b="1" dirty="0" smtClean="0"/>
-            <a:t> </a:t>
-          </a:r>
-          <a:r>
-            <a:rPr lang="en-US" b="1" dirty="0" err="1" smtClean="0"/>
-            <a:t>Aplikasi</a:t>
-          </a:r>
-          <a:endParaRPr lang="en-US" b="1" dirty="0"/>
-        </a:p>
-      </dgm:t>
-    </dgm:pt>
-    <dgm:pt modelId="{2898EAE8-7A19-4FAE-938E-A3A7F4890646}" type="parTrans" cxnId="{8764F4DB-CD79-41A2-8582-84D6224BAEDF}">
-      <dgm:prSet/>
-      <dgm:spPr/>
-      <dgm:t>
-        <a:bodyPr/>
-        <a:lstStyle/>
-        <a:p>
-          <a:endParaRPr lang="en-US"/>
-        </a:p>
-      </dgm:t>
-    </dgm:pt>
-    <dgm:pt modelId="{61E2EE29-61BD-4798-ADC2-3F57858EF232}" type="sibTrans" cxnId="{8764F4DB-CD79-41A2-8582-84D6224BAEDF}">
-      <dgm:prSet/>
-      <dgm:spPr/>
-      <dgm:t>
-        <a:bodyPr/>
-        <a:lstStyle/>
-        <a:p>
-          <a:endParaRPr lang="en-US"/>
-        </a:p>
-      </dgm:t>
-    </dgm:pt>
-    <dgm:pt modelId="{F330BDC2-DF5B-47D4-932F-EDE8FDA0047C}" type="pres">
-      <dgm:prSet presAssocID="{C0A81EA0-F005-47E3-83CD-A40C8C4E489F}" presName="Name0" presStyleCnt="0">
-        <dgm:presLayoutVars>
-          <dgm:dir/>
-          <dgm:resizeHandles val="exact"/>
-        </dgm:presLayoutVars>
-      </dgm:prSet>
-      <dgm:spPr/>
-    </dgm:pt>
-    <dgm:pt modelId="{A8FAF7CA-F111-418F-A63E-082090FAE32B}" type="pres">
-      <dgm:prSet presAssocID="{1409826C-7E09-4F70-AC57-74B9E66755BB}" presName="composite" presStyleCnt="0"/>
-      <dgm:spPr/>
-    </dgm:pt>
-    <dgm:pt modelId="{9AEBA04C-306F-4C89-9B18-D1269D910E65}" type="pres">
-      <dgm:prSet presAssocID="{1409826C-7E09-4F70-AC57-74B9E66755BB}" presName="bgChev" presStyleLbl="node1" presStyleIdx="0" presStyleCnt="4"/>
-      <dgm:spPr/>
-    </dgm:pt>
-    <dgm:pt modelId="{8988A4EA-972F-4AE7-92B6-C0B6F4914EC1}" type="pres">
-      <dgm:prSet presAssocID="{1409826C-7E09-4F70-AC57-74B9E66755BB}" presName="txNode" presStyleLbl="fgAcc1" presStyleIdx="0" presStyleCnt="4">
-        <dgm:presLayoutVars>
-          <dgm:bulletEnabled val="1"/>
-        </dgm:presLayoutVars>
-      </dgm:prSet>
-      <dgm:spPr/>
-      <dgm:t>
-        <a:bodyPr/>
-        <a:lstStyle/>
-        <a:p>
-          <a:endParaRPr lang="en-US"/>
-        </a:p>
-      </dgm:t>
-    </dgm:pt>
-    <dgm:pt modelId="{886AE9F0-BFD5-4D8E-ACE2-147A856E3072}" type="pres">
-      <dgm:prSet presAssocID="{BDF7C9A0-C8D5-4C80-B6F0-80EB633157C7}" presName="compositeSpace" presStyleCnt="0"/>
-      <dgm:spPr/>
-    </dgm:pt>
-    <dgm:pt modelId="{CF73CB28-E6B8-4F67-8923-A1611B0B92E8}" type="pres">
-      <dgm:prSet presAssocID="{08D4CB80-24D3-4E74-8524-38BA67D58413}" presName="composite" presStyleCnt="0"/>
-      <dgm:spPr/>
-    </dgm:pt>
-    <dgm:pt modelId="{771E3ED7-1D05-4207-935E-92C3E9344C09}" type="pres">
-      <dgm:prSet presAssocID="{08D4CB80-24D3-4E74-8524-38BA67D58413}" presName="bgChev" presStyleLbl="node1" presStyleIdx="1" presStyleCnt="4"/>
-      <dgm:spPr/>
-    </dgm:pt>
-    <dgm:pt modelId="{6D06A8C9-2C1F-430A-B0E4-128B25F64379}" type="pres">
-      <dgm:prSet presAssocID="{08D4CB80-24D3-4E74-8524-38BA67D58413}" presName="txNode" presStyleLbl="fgAcc1" presStyleIdx="1" presStyleCnt="4">
-        <dgm:presLayoutVars>
-          <dgm:bulletEnabled val="1"/>
-        </dgm:presLayoutVars>
-      </dgm:prSet>
-      <dgm:spPr/>
-      <dgm:t>
-        <a:bodyPr/>
-        <a:lstStyle/>
-        <a:p>
-          <a:endParaRPr lang="en-US"/>
-        </a:p>
-      </dgm:t>
-    </dgm:pt>
-    <dgm:pt modelId="{E07FAC3E-C2F9-4756-9459-04352E0F6A9A}" type="pres">
-      <dgm:prSet presAssocID="{F10DC573-DDCC-4A8B-B66F-BCFF134FB165}" presName="compositeSpace" presStyleCnt="0"/>
-      <dgm:spPr/>
-    </dgm:pt>
-    <dgm:pt modelId="{6F43F1E2-4DB4-453A-9251-CE10B432E5CB}" type="pres">
-      <dgm:prSet presAssocID="{1CB8BD44-B586-4FA6-A384-81895B600AE1}" presName="composite" presStyleCnt="0"/>
-      <dgm:spPr/>
-    </dgm:pt>
-    <dgm:pt modelId="{F634E06C-9CEF-4155-AA8D-00094776AFA7}" type="pres">
-      <dgm:prSet presAssocID="{1CB8BD44-B586-4FA6-A384-81895B600AE1}" presName="bgChev" presStyleLbl="node1" presStyleIdx="2" presStyleCnt="4"/>
-      <dgm:spPr/>
-    </dgm:pt>
-    <dgm:pt modelId="{2F6FE4C7-1A69-432F-B16B-911C979A3A51}" type="pres">
-      <dgm:prSet presAssocID="{1CB8BD44-B586-4FA6-A384-81895B600AE1}" presName="txNode" presStyleLbl="fgAcc1" presStyleIdx="2" presStyleCnt="4">
-        <dgm:presLayoutVars>
-          <dgm:bulletEnabled val="1"/>
-        </dgm:presLayoutVars>
-      </dgm:prSet>
-      <dgm:spPr/>
-      <dgm:t>
-        <a:bodyPr/>
-        <a:lstStyle/>
-        <a:p>
-          <a:endParaRPr lang="en-US"/>
-        </a:p>
-      </dgm:t>
-    </dgm:pt>
-    <dgm:pt modelId="{79C9F35D-ECA3-4C7D-8228-92D9408DF6C7}" type="pres">
-      <dgm:prSet presAssocID="{0154ADBE-C7DA-4F30-8F10-58553CBBFE64}" presName="compositeSpace" presStyleCnt="0"/>
-      <dgm:spPr/>
-    </dgm:pt>
-    <dgm:pt modelId="{CB5C8F2B-9E8A-4172-8225-F9E1F47ECFA3}" type="pres">
-      <dgm:prSet presAssocID="{78930918-2603-4F22-8D6F-9C15F91218BE}" presName="composite" presStyleCnt="0"/>
-      <dgm:spPr/>
-    </dgm:pt>
-    <dgm:pt modelId="{ED13071E-4631-4C4A-AAEB-B96B8782CED1}" type="pres">
-      <dgm:prSet presAssocID="{78930918-2603-4F22-8D6F-9C15F91218BE}" presName="bgChev" presStyleLbl="node1" presStyleIdx="3" presStyleCnt="4"/>
-      <dgm:spPr/>
-    </dgm:pt>
-    <dgm:pt modelId="{88B558D9-84A2-4D43-BB16-1BED2B144B24}" type="pres">
-      <dgm:prSet presAssocID="{78930918-2603-4F22-8D6F-9C15F91218BE}" presName="txNode" presStyleLbl="fgAcc1" presStyleIdx="3" presStyleCnt="4">
-        <dgm:presLayoutVars>
-          <dgm:bulletEnabled val="1"/>
-        </dgm:presLayoutVars>
-      </dgm:prSet>
-      <dgm:spPr/>
-      <dgm:t>
-        <a:bodyPr/>
-        <a:lstStyle/>
-        <a:p>
-          <a:endParaRPr lang="en-US"/>
-        </a:p>
-      </dgm:t>
-    </dgm:pt>
-  </dgm:ptLst>
-  <dgm:cxnLst>
-    <dgm:cxn modelId="{33DB064B-0883-489E-95FF-D6EA167482F5}" type="presOf" srcId="{08D4CB80-24D3-4E74-8524-38BA67D58413}" destId="{6D06A8C9-2C1F-430A-B0E4-128B25F64379}" srcOrd="0" destOrd="0" presId="urn:microsoft.com/office/officeart/2005/8/layout/chevronAccent+Icon"/>
-    <dgm:cxn modelId="{C7C1B47A-C1A7-44DF-BA90-CF1E7EFE3FED}" type="presOf" srcId="{78930918-2603-4F22-8D6F-9C15F91218BE}" destId="{88B558D9-84A2-4D43-BB16-1BED2B144B24}" srcOrd="0" destOrd="0" presId="urn:microsoft.com/office/officeart/2005/8/layout/chevronAccent+Icon"/>
-    <dgm:cxn modelId="{FB06A868-486F-49E7-8DAF-470380388159}" type="presOf" srcId="{1CB8BD44-B586-4FA6-A384-81895B600AE1}" destId="{2F6FE4C7-1A69-432F-B16B-911C979A3A51}" srcOrd="0" destOrd="0" presId="urn:microsoft.com/office/officeart/2005/8/layout/chevronAccent+Icon"/>
-    <dgm:cxn modelId="{1319414E-D787-4B72-992A-0165C4EA888A}" srcId="{C0A81EA0-F005-47E3-83CD-A40C8C4E489F}" destId="{1409826C-7E09-4F70-AC57-74B9E66755BB}" srcOrd="0" destOrd="0" parTransId="{E0E380CF-55C4-4D39-8116-4471CC7AF2B2}" sibTransId="{BDF7C9A0-C8D5-4C80-B6F0-80EB633157C7}"/>
-    <dgm:cxn modelId="{5110EAB3-6AB9-46CA-B78B-7674F5FBE836}" srcId="{C0A81EA0-F005-47E3-83CD-A40C8C4E489F}" destId="{08D4CB80-24D3-4E74-8524-38BA67D58413}" srcOrd="1" destOrd="0" parTransId="{E0C3BE55-F24B-4B52-BF1C-4F5F9FAFCD0B}" sibTransId="{F10DC573-DDCC-4A8B-B66F-BCFF134FB165}"/>
-    <dgm:cxn modelId="{F1CB350A-FCBB-4F9A-8805-E06B5C0056E7}" type="presOf" srcId="{1409826C-7E09-4F70-AC57-74B9E66755BB}" destId="{8988A4EA-972F-4AE7-92B6-C0B6F4914EC1}" srcOrd="0" destOrd="0" presId="urn:microsoft.com/office/officeart/2005/8/layout/chevronAccent+Icon"/>
-    <dgm:cxn modelId="{6F00FD8B-D24F-45E2-801C-00897D7C39FE}" srcId="{C0A81EA0-F005-47E3-83CD-A40C8C4E489F}" destId="{1CB8BD44-B586-4FA6-A384-81895B600AE1}" srcOrd="2" destOrd="0" parTransId="{509A24D2-48B2-4487-AD62-0F8AD6EB19A0}" sibTransId="{0154ADBE-C7DA-4F30-8F10-58553CBBFE64}"/>
-    <dgm:cxn modelId="{8764F4DB-CD79-41A2-8582-84D6224BAEDF}" srcId="{C0A81EA0-F005-47E3-83CD-A40C8C4E489F}" destId="{78930918-2603-4F22-8D6F-9C15F91218BE}" srcOrd="3" destOrd="0" parTransId="{2898EAE8-7A19-4FAE-938E-A3A7F4890646}" sibTransId="{61E2EE29-61BD-4798-ADC2-3F57858EF232}"/>
-    <dgm:cxn modelId="{72A5A062-AF84-47E8-897E-ABBB008A4094}" type="presOf" srcId="{C0A81EA0-F005-47E3-83CD-A40C8C4E489F}" destId="{F330BDC2-DF5B-47D4-932F-EDE8FDA0047C}" srcOrd="0" destOrd="0" presId="urn:microsoft.com/office/officeart/2005/8/layout/chevronAccent+Icon"/>
-    <dgm:cxn modelId="{4AEFE5DA-29A6-4C70-BCD4-C08A47B8E18A}" type="presParOf" srcId="{F330BDC2-DF5B-47D4-932F-EDE8FDA0047C}" destId="{A8FAF7CA-F111-418F-A63E-082090FAE32B}" srcOrd="0" destOrd="0" presId="urn:microsoft.com/office/officeart/2005/8/layout/chevronAccent+Icon"/>
-    <dgm:cxn modelId="{ABEB52AD-9296-4F47-B3AD-C69C2E0ABBBC}" type="presParOf" srcId="{A8FAF7CA-F111-418F-A63E-082090FAE32B}" destId="{9AEBA04C-306F-4C89-9B18-D1269D910E65}" srcOrd="0" destOrd="0" presId="urn:microsoft.com/office/officeart/2005/8/layout/chevronAccent+Icon"/>
-    <dgm:cxn modelId="{EB8CC41F-1902-4ED3-9A44-FEC8BC706025}" type="presParOf" srcId="{A8FAF7CA-F111-418F-A63E-082090FAE32B}" destId="{8988A4EA-972F-4AE7-92B6-C0B6F4914EC1}" srcOrd="1" destOrd="0" presId="urn:microsoft.com/office/officeart/2005/8/layout/chevronAccent+Icon"/>
-    <dgm:cxn modelId="{1D2081A8-0494-434C-8066-57036A499DDB}" type="presParOf" srcId="{F330BDC2-DF5B-47D4-932F-EDE8FDA0047C}" destId="{886AE9F0-BFD5-4D8E-ACE2-147A856E3072}" srcOrd="1" destOrd="0" presId="urn:microsoft.com/office/officeart/2005/8/layout/chevronAccent+Icon"/>
-    <dgm:cxn modelId="{417A584D-70B5-4EE8-A4C0-524F9E29D7A2}" type="presParOf" srcId="{F330BDC2-DF5B-47D4-932F-EDE8FDA0047C}" destId="{CF73CB28-E6B8-4F67-8923-A1611B0B92E8}" srcOrd="2" destOrd="0" presId="urn:microsoft.com/office/officeart/2005/8/layout/chevronAccent+Icon"/>
-    <dgm:cxn modelId="{598834F9-ACDF-40AE-AA0A-740591E79344}" type="presParOf" srcId="{CF73CB28-E6B8-4F67-8923-A1611B0B92E8}" destId="{771E3ED7-1D05-4207-935E-92C3E9344C09}" srcOrd="0" destOrd="0" presId="urn:microsoft.com/office/officeart/2005/8/layout/chevronAccent+Icon"/>
-    <dgm:cxn modelId="{372B7B8F-FC28-4E33-8873-8EE19B833E2D}" type="presParOf" srcId="{CF73CB28-E6B8-4F67-8923-A1611B0B92E8}" destId="{6D06A8C9-2C1F-430A-B0E4-128B25F64379}" srcOrd="1" destOrd="0" presId="urn:microsoft.com/office/officeart/2005/8/layout/chevronAccent+Icon"/>
-    <dgm:cxn modelId="{A610A53B-CCD3-425B-8AB7-21B11954463D}" type="presParOf" srcId="{F330BDC2-DF5B-47D4-932F-EDE8FDA0047C}" destId="{E07FAC3E-C2F9-4756-9459-04352E0F6A9A}" srcOrd="3" destOrd="0" presId="urn:microsoft.com/office/officeart/2005/8/layout/chevronAccent+Icon"/>
-    <dgm:cxn modelId="{75ED16ED-D9A8-4968-854B-013D7481F568}" type="presParOf" srcId="{F330BDC2-DF5B-47D4-932F-EDE8FDA0047C}" destId="{6F43F1E2-4DB4-453A-9251-CE10B432E5CB}" srcOrd="4" destOrd="0" presId="urn:microsoft.com/office/officeart/2005/8/layout/chevronAccent+Icon"/>
-    <dgm:cxn modelId="{EE7AAE81-C5D1-4EF3-AE34-FAB68CA1D774}" type="presParOf" srcId="{6F43F1E2-4DB4-453A-9251-CE10B432E5CB}" destId="{F634E06C-9CEF-4155-AA8D-00094776AFA7}" srcOrd="0" destOrd="0" presId="urn:microsoft.com/office/officeart/2005/8/layout/chevronAccent+Icon"/>
-    <dgm:cxn modelId="{930A5669-7642-460A-A89F-97E562F8F67F}" type="presParOf" srcId="{6F43F1E2-4DB4-453A-9251-CE10B432E5CB}" destId="{2F6FE4C7-1A69-432F-B16B-911C979A3A51}" srcOrd="1" destOrd="0" presId="urn:microsoft.com/office/officeart/2005/8/layout/chevronAccent+Icon"/>
-    <dgm:cxn modelId="{B4DE0368-41CD-4B94-BD99-8CC61FD14715}" type="presParOf" srcId="{F330BDC2-DF5B-47D4-932F-EDE8FDA0047C}" destId="{79C9F35D-ECA3-4C7D-8228-92D9408DF6C7}" srcOrd="5" destOrd="0" presId="urn:microsoft.com/office/officeart/2005/8/layout/chevronAccent+Icon"/>
-    <dgm:cxn modelId="{44F4F8F8-7803-49B9-86F0-4AE03E3F6945}" type="presParOf" srcId="{F330BDC2-DF5B-47D4-932F-EDE8FDA0047C}" destId="{CB5C8F2B-9E8A-4172-8225-F9E1F47ECFA3}" srcOrd="6" destOrd="0" presId="urn:microsoft.com/office/officeart/2005/8/layout/chevronAccent+Icon"/>
-    <dgm:cxn modelId="{F0FE2A9F-78DD-45BD-B182-8B7382E3617D}" type="presParOf" srcId="{CB5C8F2B-9E8A-4172-8225-F9E1F47ECFA3}" destId="{ED13071E-4631-4C4A-AAEB-B96B8782CED1}" srcOrd="0" destOrd="0" presId="urn:microsoft.com/office/officeart/2005/8/layout/chevronAccent+Icon"/>
-    <dgm:cxn modelId="{B0D54505-47F0-456D-ACF7-4E1D07E83F91}" type="presParOf" srcId="{CB5C8F2B-9E8A-4172-8225-F9E1F47ECFA3}" destId="{88B558D9-84A2-4D43-BB16-1BED2B144B24}" srcOrd="1" destOrd="0" presId="urn:microsoft.com/office/officeart/2005/8/layout/chevronAccent+Icon"/>
-  </dgm:cxnLst>
-  <dgm:bg/>
-  <dgm:whole/>
-  <dgm:extLst>
-    <a:ext uri="http://schemas.microsoft.com/office/drawing/2008/diagram">
-      <dsp:dataModelExt xmlns:dsp="http://schemas.microsoft.com/office/drawing/2008/diagram" relId="rId6" minVer="http://schemas.openxmlformats.org/drawingml/2006/diagram"/>
-    </a:ext>
-  </dgm:extLst>
-</dgm:dataModel>
-</file>
-
-<file path=ppt/diagrams/drawing1.xml><?xml version="1.0" encoding="utf-8"?>
-<dsp:drawing xmlns:dgm="http://schemas.openxmlformats.org/drawingml/2006/diagram" xmlns:dsp="http://schemas.microsoft.com/office/drawing/2008/diagram" xmlns:a="http://schemas.openxmlformats.org/drawingml/2006/main">
-  <dsp:spTree>
-    <dsp:nvGrpSpPr>
-      <dsp:cNvPr id="0" name=""/>
-      <dsp:cNvGrpSpPr/>
-    </dsp:nvGrpSpPr>
-    <dsp:grpSpPr/>
-    <dsp:sp modelId="{9AEBA04C-306F-4C89-9B18-D1269D910E65}">
-      <dsp:nvSpPr>
-        <dsp:cNvPr id="0" name=""/>
-        <dsp:cNvSpPr/>
-      </dsp:nvSpPr>
-      <dsp:spPr>
-        <a:xfrm>
-          <a:off x="4418" y="2148362"/>
-          <a:ext cx="2079605" cy="802727"/>
-        </a:xfrm>
-        <a:prstGeom prst="chevron">
-          <a:avLst>
-            <a:gd name="adj" fmla="val 40000"/>
-          </a:avLst>
-        </a:prstGeom>
-        <a:solidFill>
-          <a:schemeClr val="accent3">
-            <a:hueOff val="0"/>
-            <a:satOff val="0"/>
-            <a:lumOff val="0"/>
-            <a:alphaOff val="0"/>
-          </a:schemeClr>
-        </a:solidFill>
-        <a:ln w="25400" cap="flat" cmpd="sng" algn="ctr">
-          <a:solidFill>
-            <a:schemeClr val="lt1">
-              <a:hueOff val="0"/>
-              <a:satOff val="0"/>
-              <a:lumOff val="0"/>
-              <a:alphaOff val="0"/>
-            </a:schemeClr>
-          </a:solidFill>
-          <a:prstDash val="solid"/>
-        </a:ln>
-        <a:effectLst/>
-      </dsp:spPr>
-      <dsp:style>
-        <a:lnRef idx="2">
-          <a:scrgbClr r="0" g="0" b="0"/>
-        </a:lnRef>
-        <a:fillRef idx="1">
-          <a:scrgbClr r="0" g="0" b="0"/>
-        </a:fillRef>
-        <a:effectRef idx="0">
-          <a:scrgbClr r="0" g="0" b="0"/>
-        </a:effectRef>
-        <a:fontRef idx="minor">
-          <a:schemeClr val="lt1"/>
-        </a:fontRef>
-      </dsp:style>
-    </dsp:sp>
-    <dsp:sp modelId="{8988A4EA-972F-4AE7-92B6-C0B6F4914EC1}">
-      <dsp:nvSpPr>
-        <dsp:cNvPr id="0" name=""/>
-        <dsp:cNvSpPr/>
-      </dsp:nvSpPr>
-      <dsp:spPr>
-        <a:xfrm>
-          <a:off x="558979" y="2349044"/>
-          <a:ext cx="1756111" cy="802727"/>
-        </a:xfrm>
-        <a:prstGeom prst="roundRect">
-          <a:avLst>
-            <a:gd name="adj" fmla="val 10000"/>
-          </a:avLst>
-        </a:prstGeom>
-        <a:solidFill>
-          <a:schemeClr val="lt1">
-            <a:alpha val="90000"/>
-            <a:hueOff val="0"/>
-            <a:satOff val="0"/>
-            <a:lumOff val="0"/>
-            <a:alphaOff val="0"/>
-          </a:schemeClr>
-        </a:solidFill>
-        <a:ln w="25400" cap="flat" cmpd="sng" algn="ctr">
-          <a:solidFill>
-            <a:schemeClr val="accent3">
-              <a:hueOff val="0"/>
-              <a:satOff val="0"/>
-              <a:lumOff val="0"/>
-              <a:alphaOff val="0"/>
-            </a:schemeClr>
-          </a:solidFill>
-          <a:prstDash val="solid"/>
-        </a:ln>
-        <a:effectLst/>
-      </dsp:spPr>
-      <dsp:style>
-        <a:lnRef idx="2">
-          <a:scrgbClr r="0" g="0" b="0"/>
-        </a:lnRef>
-        <a:fillRef idx="1">
-          <a:scrgbClr r="0" g="0" b="0"/>
-        </a:fillRef>
-        <a:effectRef idx="0">
-          <a:scrgbClr r="0" g="0" b="0"/>
-        </a:effectRef>
-        <a:fontRef idx="minor"/>
-      </dsp:style>
-      <dsp:txBody>
-        <a:bodyPr spcFirstLastPara="0" vert="horz" wrap="square" lIns="113792" tIns="113792" rIns="113792" bIns="113792" numCol="1" spcCol="1270" anchor="ctr" anchorCtr="0">
-          <a:noAutofit/>
-        </a:bodyPr>
-        <a:lstStyle/>
-        <a:p>
-          <a:pPr lvl="0" algn="ctr" defTabSz="711200">
-            <a:lnSpc>
-              <a:spcPct val="90000"/>
-            </a:lnSpc>
-            <a:spcBef>
-              <a:spcPct val="0"/>
-            </a:spcBef>
-            <a:spcAft>
-              <a:spcPct val="35000"/>
-            </a:spcAft>
-          </a:pPr>
-          <a:r>
-            <a:rPr lang="en-US" sz="1600" b="1" kern="1200" dirty="0" err="1" smtClean="0"/>
-            <a:t>Perencanaan</a:t>
-          </a:r>
-          <a:endParaRPr lang="en-US" sz="1600" b="1" kern="1200" dirty="0"/>
-        </a:p>
-      </dsp:txBody>
-      <dsp:txXfrm>
-        <a:off x="582490" y="2372555"/>
-        <a:ext cx="1709089" cy="755705"/>
-      </dsp:txXfrm>
-    </dsp:sp>
-    <dsp:sp modelId="{771E3ED7-1D05-4207-935E-92C3E9344C09}">
-      <dsp:nvSpPr>
-        <dsp:cNvPr id="0" name=""/>
-        <dsp:cNvSpPr/>
-      </dsp:nvSpPr>
-      <dsp:spPr>
-        <a:xfrm>
-          <a:off x="2379790" y="2148362"/>
-          <a:ext cx="2079605" cy="802727"/>
-        </a:xfrm>
-        <a:prstGeom prst="chevron">
-          <a:avLst>
-            <a:gd name="adj" fmla="val 40000"/>
-          </a:avLst>
-        </a:prstGeom>
-        <a:solidFill>
-          <a:schemeClr val="accent3">
-            <a:hueOff val="903533"/>
-            <a:satOff val="33333"/>
-            <a:lumOff val="-4902"/>
-            <a:alphaOff val="0"/>
-          </a:schemeClr>
-        </a:solidFill>
-        <a:ln w="25400" cap="flat" cmpd="sng" algn="ctr">
-          <a:solidFill>
-            <a:schemeClr val="lt1">
-              <a:hueOff val="0"/>
-              <a:satOff val="0"/>
-              <a:lumOff val="0"/>
-              <a:alphaOff val="0"/>
-            </a:schemeClr>
-          </a:solidFill>
-          <a:prstDash val="solid"/>
-        </a:ln>
-        <a:effectLst/>
-      </dsp:spPr>
-      <dsp:style>
-        <a:lnRef idx="2">
-          <a:scrgbClr r="0" g="0" b="0"/>
-        </a:lnRef>
-        <a:fillRef idx="1">
-          <a:scrgbClr r="0" g="0" b="0"/>
-        </a:fillRef>
-        <a:effectRef idx="0">
-          <a:scrgbClr r="0" g="0" b="0"/>
-        </a:effectRef>
-        <a:fontRef idx="minor">
-          <a:schemeClr val="lt1"/>
-        </a:fontRef>
-      </dsp:style>
-    </dsp:sp>
-    <dsp:sp modelId="{6D06A8C9-2C1F-430A-B0E4-128B25F64379}">
-      <dsp:nvSpPr>
-        <dsp:cNvPr id="0" name=""/>
-        <dsp:cNvSpPr/>
-      </dsp:nvSpPr>
-      <dsp:spPr>
-        <a:xfrm>
-          <a:off x="2934351" y="2349044"/>
-          <a:ext cx="1756111" cy="802727"/>
-        </a:xfrm>
-        <a:prstGeom prst="roundRect">
-          <a:avLst>
-            <a:gd name="adj" fmla="val 10000"/>
-          </a:avLst>
-        </a:prstGeom>
-        <a:solidFill>
-          <a:schemeClr val="lt1">
-            <a:alpha val="90000"/>
-            <a:hueOff val="0"/>
-            <a:satOff val="0"/>
-            <a:lumOff val="0"/>
-            <a:alphaOff val="0"/>
-          </a:schemeClr>
-        </a:solidFill>
-        <a:ln w="25400" cap="flat" cmpd="sng" algn="ctr">
-          <a:solidFill>
-            <a:schemeClr val="accent3">
-              <a:hueOff val="903533"/>
-              <a:satOff val="33333"/>
-              <a:lumOff val="-4902"/>
-              <a:alphaOff val="0"/>
-            </a:schemeClr>
-          </a:solidFill>
-          <a:prstDash val="solid"/>
-        </a:ln>
-        <a:effectLst/>
-      </dsp:spPr>
-      <dsp:style>
-        <a:lnRef idx="2">
-          <a:scrgbClr r="0" g="0" b="0"/>
-        </a:lnRef>
-        <a:fillRef idx="1">
-          <a:scrgbClr r="0" g="0" b="0"/>
-        </a:fillRef>
-        <a:effectRef idx="0">
-          <a:scrgbClr r="0" g="0" b="0"/>
-        </a:effectRef>
-        <a:fontRef idx="minor"/>
-      </dsp:style>
-      <dsp:txBody>
-        <a:bodyPr spcFirstLastPara="0" vert="horz" wrap="square" lIns="113792" tIns="113792" rIns="113792" bIns="113792" numCol="1" spcCol="1270" anchor="ctr" anchorCtr="0">
-          <a:noAutofit/>
-        </a:bodyPr>
-        <a:lstStyle/>
-        <a:p>
-          <a:pPr lvl="0" algn="ctr" defTabSz="711200">
-            <a:lnSpc>
-              <a:spcPct val="90000"/>
-            </a:lnSpc>
-            <a:spcBef>
-              <a:spcPct val="0"/>
-            </a:spcBef>
-            <a:spcAft>
-              <a:spcPct val="35000"/>
-            </a:spcAft>
-          </a:pPr>
-          <a:r>
-            <a:rPr lang="en-US" sz="1600" b="1" kern="1200" dirty="0" err="1" smtClean="0"/>
-            <a:t>Perancanngan</a:t>
-          </a:r>
-          <a:endParaRPr lang="en-US" sz="1600" b="1" kern="1200" dirty="0"/>
-        </a:p>
-      </dsp:txBody>
-      <dsp:txXfrm>
-        <a:off x="2957862" y="2372555"/>
-        <a:ext cx="1709089" cy="755705"/>
-      </dsp:txXfrm>
-    </dsp:sp>
-    <dsp:sp modelId="{F634E06C-9CEF-4155-AA8D-00094776AFA7}">
-      <dsp:nvSpPr>
-        <dsp:cNvPr id="0" name=""/>
-        <dsp:cNvSpPr/>
-      </dsp:nvSpPr>
-      <dsp:spPr>
-        <a:xfrm>
-          <a:off x="4755161" y="2148362"/>
-          <a:ext cx="2079605" cy="802727"/>
-        </a:xfrm>
-        <a:prstGeom prst="chevron">
-          <a:avLst>
-            <a:gd name="adj" fmla="val 40000"/>
-          </a:avLst>
-        </a:prstGeom>
-        <a:solidFill>
-          <a:schemeClr val="accent3">
-            <a:hueOff val="1807066"/>
-            <a:satOff val="66667"/>
-            <a:lumOff val="-9804"/>
-            <a:alphaOff val="0"/>
-          </a:schemeClr>
-        </a:solidFill>
-        <a:ln w="25400" cap="flat" cmpd="sng" algn="ctr">
-          <a:solidFill>
-            <a:schemeClr val="lt1">
-              <a:hueOff val="0"/>
-              <a:satOff val="0"/>
-              <a:lumOff val="0"/>
-              <a:alphaOff val="0"/>
-            </a:schemeClr>
-          </a:solidFill>
-          <a:prstDash val="solid"/>
-        </a:ln>
-        <a:effectLst/>
-      </dsp:spPr>
-      <dsp:style>
-        <a:lnRef idx="2">
-          <a:scrgbClr r="0" g="0" b="0"/>
-        </a:lnRef>
-        <a:fillRef idx="1">
-          <a:scrgbClr r="0" g="0" b="0"/>
-        </a:fillRef>
-        <a:effectRef idx="0">
-          <a:scrgbClr r="0" g="0" b="0"/>
-        </a:effectRef>
-        <a:fontRef idx="minor">
-          <a:schemeClr val="lt1"/>
-        </a:fontRef>
-      </dsp:style>
-    </dsp:sp>
-    <dsp:sp modelId="{2F6FE4C7-1A69-432F-B16B-911C979A3A51}">
-      <dsp:nvSpPr>
-        <dsp:cNvPr id="0" name=""/>
-        <dsp:cNvSpPr/>
-      </dsp:nvSpPr>
-      <dsp:spPr>
-        <a:xfrm>
-          <a:off x="5309723" y="2349044"/>
-          <a:ext cx="1756111" cy="802727"/>
-        </a:xfrm>
-        <a:prstGeom prst="roundRect">
-          <a:avLst>
-            <a:gd name="adj" fmla="val 10000"/>
-          </a:avLst>
-        </a:prstGeom>
-        <a:solidFill>
-          <a:schemeClr val="lt1">
-            <a:alpha val="90000"/>
-            <a:hueOff val="0"/>
-            <a:satOff val="0"/>
-            <a:lumOff val="0"/>
-            <a:alphaOff val="0"/>
-          </a:schemeClr>
-        </a:solidFill>
-        <a:ln w="25400" cap="flat" cmpd="sng" algn="ctr">
-          <a:solidFill>
-            <a:schemeClr val="accent3">
-              <a:hueOff val="1807066"/>
-              <a:satOff val="66667"/>
-              <a:lumOff val="-9804"/>
-              <a:alphaOff val="0"/>
-            </a:schemeClr>
-          </a:solidFill>
-          <a:prstDash val="solid"/>
-        </a:ln>
-        <a:effectLst/>
-      </dsp:spPr>
-      <dsp:style>
-        <a:lnRef idx="2">
-          <a:scrgbClr r="0" g="0" b="0"/>
-        </a:lnRef>
-        <a:fillRef idx="1">
-          <a:scrgbClr r="0" g="0" b="0"/>
-        </a:fillRef>
-        <a:effectRef idx="0">
-          <a:scrgbClr r="0" g="0" b="0"/>
-        </a:effectRef>
-        <a:fontRef idx="minor"/>
-      </dsp:style>
-      <dsp:txBody>
-        <a:bodyPr spcFirstLastPara="0" vert="horz" wrap="square" lIns="113792" tIns="113792" rIns="113792" bIns="113792" numCol="1" spcCol="1270" anchor="ctr" anchorCtr="0">
-          <a:noAutofit/>
-        </a:bodyPr>
-        <a:lstStyle/>
-        <a:p>
-          <a:pPr lvl="0" algn="ctr" defTabSz="711200">
-            <a:lnSpc>
-              <a:spcPct val="90000"/>
-            </a:lnSpc>
-            <a:spcBef>
-              <a:spcPct val="0"/>
-            </a:spcBef>
-            <a:spcAft>
-              <a:spcPct val="35000"/>
-            </a:spcAft>
-          </a:pPr>
-          <a:r>
-            <a:rPr lang="en-US" sz="1600" b="1" kern="1200" dirty="0" err="1" smtClean="0"/>
-            <a:t>Penulisan</a:t>
-          </a:r>
-          <a:r>
-            <a:rPr lang="en-US" sz="1600" b="1" kern="1200" dirty="0" smtClean="0"/>
-            <a:t> </a:t>
-          </a:r>
-          <a:r>
-            <a:rPr lang="en-US" sz="1600" b="1" kern="1200" dirty="0" err="1" smtClean="0"/>
-            <a:t>Kode</a:t>
-          </a:r>
-          <a:endParaRPr lang="en-US" sz="1600" b="1" kern="1200" dirty="0"/>
-        </a:p>
-      </dsp:txBody>
-      <dsp:txXfrm>
-        <a:off x="5333234" y="2372555"/>
-        <a:ext cx="1709089" cy="755705"/>
-      </dsp:txXfrm>
-    </dsp:sp>
-    <dsp:sp modelId="{ED13071E-4631-4C4A-AAEB-B96B8782CED1}">
-      <dsp:nvSpPr>
-        <dsp:cNvPr id="0" name=""/>
-        <dsp:cNvSpPr/>
-      </dsp:nvSpPr>
-      <dsp:spPr>
-        <a:xfrm>
-          <a:off x="7130533" y="2148362"/>
-          <a:ext cx="2079605" cy="802727"/>
-        </a:xfrm>
-        <a:prstGeom prst="chevron">
-          <a:avLst>
-            <a:gd name="adj" fmla="val 40000"/>
-          </a:avLst>
-        </a:prstGeom>
-        <a:solidFill>
-          <a:schemeClr val="accent3">
-            <a:hueOff val="2710599"/>
-            <a:satOff val="100000"/>
-            <a:lumOff val="-14706"/>
-            <a:alphaOff val="0"/>
-          </a:schemeClr>
-        </a:solidFill>
-        <a:ln w="25400" cap="flat" cmpd="sng" algn="ctr">
-          <a:solidFill>
-            <a:schemeClr val="lt1">
-              <a:hueOff val="0"/>
-              <a:satOff val="0"/>
-              <a:lumOff val="0"/>
-              <a:alphaOff val="0"/>
-            </a:schemeClr>
-          </a:solidFill>
-          <a:prstDash val="solid"/>
-        </a:ln>
-        <a:effectLst/>
-      </dsp:spPr>
-      <dsp:style>
-        <a:lnRef idx="2">
-          <a:scrgbClr r="0" g="0" b="0"/>
-        </a:lnRef>
-        <a:fillRef idx="1">
-          <a:scrgbClr r="0" g="0" b="0"/>
-        </a:fillRef>
-        <a:effectRef idx="0">
-          <a:scrgbClr r="0" g="0" b="0"/>
-        </a:effectRef>
-        <a:fontRef idx="minor">
-          <a:schemeClr val="lt1"/>
-        </a:fontRef>
-      </dsp:style>
-    </dsp:sp>
-    <dsp:sp modelId="{88B558D9-84A2-4D43-BB16-1BED2B144B24}">
-      <dsp:nvSpPr>
-        <dsp:cNvPr id="0" name=""/>
-        <dsp:cNvSpPr/>
-      </dsp:nvSpPr>
-      <dsp:spPr>
-        <a:xfrm>
-          <a:off x="7685095" y="2349044"/>
-          <a:ext cx="1756111" cy="802727"/>
-        </a:xfrm>
-        <a:prstGeom prst="roundRect">
-          <a:avLst>
-            <a:gd name="adj" fmla="val 10000"/>
-          </a:avLst>
-        </a:prstGeom>
-        <a:solidFill>
-          <a:schemeClr val="lt1">
-            <a:alpha val="90000"/>
-            <a:hueOff val="0"/>
-            <a:satOff val="0"/>
-            <a:lumOff val="0"/>
-            <a:alphaOff val="0"/>
-          </a:schemeClr>
-        </a:solidFill>
-        <a:ln w="25400" cap="flat" cmpd="sng" algn="ctr">
-          <a:solidFill>
-            <a:schemeClr val="accent3">
-              <a:hueOff val="2710599"/>
-              <a:satOff val="100000"/>
-              <a:lumOff val="-14706"/>
-              <a:alphaOff val="0"/>
-            </a:schemeClr>
-          </a:solidFill>
-          <a:prstDash val="solid"/>
-        </a:ln>
-        <a:effectLst/>
-      </dsp:spPr>
-      <dsp:style>
-        <a:lnRef idx="2">
-          <a:scrgbClr r="0" g="0" b="0"/>
-        </a:lnRef>
-        <a:fillRef idx="1">
-          <a:scrgbClr r="0" g="0" b="0"/>
-        </a:fillRef>
-        <a:effectRef idx="0">
-          <a:scrgbClr r="0" g="0" b="0"/>
-        </a:effectRef>
-        <a:fontRef idx="minor"/>
-      </dsp:style>
-      <dsp:txBody>
-        <a:bodyPr spcFirstLastPara="0" vert="horz" wrap="square" lIns="113792" tIns="113792" rIns="113792" bIns="113792" numCol="1" spcCol="1270" anchor="ctr" anchorCtr="0">
-          <a:noAutofit/>
-        </a:bodyPr>
-        <a:lstStyle/>
-        <a:p>
-          <a:pPr lvl="0" algn="ctr" defTabSz="711200">
-            <a:lnSpc>
-              <a:spcPct val="90000"/>
-            </a:lnSpc>
-            <a:spcBef>
-              <a:spcPct val="0"/>
-            </a:spcBef>
-            <a:spcAft>
-              <a:spcPct val="35000"/>
-            </a:spcAft>
-          </a:pPr>
-          <a:r>
-            <a:rPr lang="en-US" sz="1600" b="1" kern="1200" dirty="0" err="1" smtClean="0"/>
-            <a:t>Pengetesan</a:t>
-          </a:r>
-          <a:r>
-            <a:rPr lang="en-US" sz="1600" b="1" kern="1200" dirty="0" smtClean="0"/>
-            <a:t> </a:t>
-          </a:r>
-          <a:r>
-            <a:rPr lang="en-US" sz="1600" b="1" kern="1200" dirty="0" err="1" smtClean="0"/>
-            <a:t>Aplikasi</a:t>
-          </a:r>
-          <a:endParaRPr lang="en-US" sz="1600" b="1" kern="1200" dirty="0"/>
-        </a:p>
-      </dsp:txBody>
-      <dsp:txXfrm>
-        <a:off x="7708606" y="2372555"/>
-        <a:ext cx="1709089" cy="755705"/>
-      </dsp:txXfrm>
-    </dsp:sp>
-  </dsp:spTree>
-</dsp:drawing>
-</file>
-
-<file path=ppt/diagrams/layout1.xml><?xml version="1.0" encoding="utf-8"?>
-<dgm:layoutDef xmlns:dgm="http://schemas.openxmlformats.org/drawingml/2006/diagram" xmlns:a="http://schemas.openxmlformats.org/drawingml/2006/main" uniqueId="urn:microsoft.com/office/officeart/2005/8/layout/chevronAccent+Icon">
-  <dgm:title val="Chevron Accent Process"/>
-  <dgm:desc val="Use to show sequential steps in a task, process, or workflow, or to emphasize movement or direction. Works best with minimal Level 1 and Level 2 text."/>
-  <dgm:catLst>
-    <dgm:cat type="process" pri="9500"/>
-    <dgm:cat type="officeonline" pri="2000"/>
-  </dgm:catLst>
-  <dgm:sampData useDef="1">
-    <dgm:dataModel>
-      <dgm:ptLst/>
-      <dgm:bg/>
-      <dgm:whole/>
-    </dgm:dataModel>
-  </dgm:sampData>
-  <dgm:styleData>
-    <dgm:dataModel>
-      <dgm:ptLst>
-        <dgm:pt modelId="0" type="doc"/>
-        <dgm:pt modelId="1"/>
-        <dgm:pt modelId="2"/>
-      </dgm:ptLst>
-      <dgm:cxnLst>
-        <dgm:cxn modelId="4" srcId="0" destId="1" srcOrd="0" destOrd="0"/>
-        <dgm:cxn modelId="5" srcId="0" destId="2" srcOrd="1" destOrd="0"/>
-      </dgm:cxnLst>
-      <dgm:bg/>
-      <dgm:whole/>
-    </dgm:dataModel>
-  </dgm:styleData>
-  <dgm:clrData>
-    <dgm:dataModel>
-      <dgm:ptLst>
-        <dgm:pt modelId="0" type="doc"/>
-        <dgm:pt modelId="1"/>
-        <dgm:pt modelId="2"/>
-        <dgm:pt modelId="3"/>
-        <dgm:pt modelId="4"/>
-      </dgm:ptLst>
-      <dgm:cxnLst>
-        <dgm:cxn modelId="5" srcId="0" destId="1" srcOrd="0" destOrd="0"/>
-        <dgm:cxn modelId="6" srcId="0" destId="2" srcOrd="1" destOrd="0"/>
-        <dgm:cxn modelId="7" srcId="0" destId="3" srcOrd="2" destOrd="0"/>
-        <dgm:cxn modelId="8" srcId="0" destId="4" srcOrd="3" destOrd="0"/>
-      </dgm:cxnLst>
-      <dgm:bg/>
-      <dgm:whole/>
-    </dgm:dataModel>
-  </dgm:clrData>
-  <dgm:layoutNode name="Name0">
-    <dgm:varLst>
-      <dgm:dir/>
-      <dgm:resizeHandles val="exact"/>
-    </dgm:varLst>
-    <dgm:choose name="Name1">
-      <dgm:if name="Name2" func="var" arg="dir" op="equ" val="norm">
-        <dgm:alg type="lin"/>
-      </dgm:if>
-      <dgm:else name="Name3">
-        <dgm:alg type="lin">
-          <dgm:param type="linDir" val="fromR"/>
-        </dgm:alg>
-      </dgm:else>
-    </dgm:choose>
-    <dgm:shape xmlns:r="http://schemas.openxmlformats.org/officeDocument/2006/relationships" r:blip="">
-      <dgm:adjLst/>
-    </dgm:shape>
-    <dgm:presOf/>
-    <dgm:constrLst>
-      <dgm:constr type="w" for="ch" forName="composite" refType="w"/>
-      <dgm:constr type="primFontSz" for="des" forName="txNode" op="equ" val="65"/>
-      <dgm:constr type="w" for="ch" forName="compositeSpace" refType="w" refFor="ch" refForName="composite" fact="0.028"/>
-    </dgm:constrLst>
-    <dgm:ruleLst/>
-    <dgm:forEach name="Name4" axis="ch" ptType="node">
-      <dgm:layoutNode name="composite">
-        <dgm:alg type="composite"/>
-        <dgm:shape xmlns:r="http://schemas.openxmlformats.org/officeDocument/2006/relationships" r:blip="">
-          <dgm:adjLst/>
-        </dgm:shape>
-        <dgm:presOf/>
-        <dgm:choose name="Name5">
-          <dgm:if name="Name6" func="var" arg="dir" op="equ" val="norm">
-            <dgm:constrLst>
-              <dgm:constr type="l" for="ch" forName="bgChev"/>
-              <dgm:constr type="w" for="ch" forName="bgChev" refType="w" fact="0.9"/>
-              <dgm:constr type="t" for="ch" forName="bgChev"/>
-              <dgm:constr type="h" for="ch" forName="bgChev" refType="w" refFor="ch" refForName="bgChev" fact="0.386"/>
-              <dgm:constr type="l" for="ch" forName="txNode" refType="w" fact="0.24"/>
-              <dgm:constr type="w" for="ch" forName="txNode" refType="w" fact="0.76"/>
-              <dgm:constr type="t" for="ch" forName="txNode" refType="h" refFor="ch" refForName="bgChev" fact="0.25"/>
-              <dgm:constr type="h" for="ch" forName="txNode" refType="h" refFor="ch" refForName="bgChev"/>
-            </dgm:constrLst>
-          </dgm:if>
-          <dgm:else name="Name7">
-            <dgm:constrLst>
-              <dgm:constr type="l" for="ch" forName="bgChev" refType="w" fact="0.1"/>
-              <dgm:constr type="w" for="ch" forName="bgChev" refType="w" fact="0.9"/>
-              <dgm:constr type="t" for="ch" forName="bgChev"/>
-              <dgm:constr type="h" for="ch" forName="bgChev" refType="w" refFor="ch" refForName="bgChev" fact="0.386"/>
-              <dgm:constr type="l" for="ch" forName="txNode"/>
-              <dgm:constr type="w" for="ch" forName="txNode" refType="w" fact="0.76"/>
-              <dgm:constr type="t" for="ch" forName="txNode" refType="h" refFor="ch" refForName="bgChev" fact="0.25"/>
-              <dgm:constr type="h" for="ch" forName="txNode" refType="h" refFor="ch" refForName="bgChev"/>
-            </dgm:constrLst>
-          </dgm:else>
-        </dgm:choose>
-        <dgm:ruleLst/>
-        <dgm:layoutNode name="bgChev" styleLbl="node1">
-          <dgm:alg type="sp"/>
-          <dgm:choose name="Name8">
-            <dgm:if name="Name9" func="var" arg="dir" op="equ" val="norm">
-              <dgm:shape xmlns:r="http://schemas.openxmlformats.org/officeDocument/2006/relationships" type="chevron" r:blip="">
-                <dgm:adjLst>
-                  <dgm:adj idx="1" val="0.4"/>
-                </dgm:adjLst>
-              </dgm:shape>
-            </dgm:if>
-            <dgm:else name="Name10">
-              <dgm:shape xmlns:r="http://schemas.openxmlformats.org/officeDocument/2006/relationships" rot="180" type="chevron" r:blip="">
-                <dgm:adjLst>
-                  <dgm:adj idx="1" val="0.4"/>
-                </dgm:adjLst>
-              </dgm:shape>
-            </dgm:else>
-          </dgm:choose>
-          <dgm:presOf/>
-          <dgm:constrLst/>
-        </dgm:layoutNode>
-        <dgm:layoutNode name="txNode" styleLbl="fgAcc1">
-          <dgm:varLst>
-            <dgm:bulletEnabled val="1"/>
-          </dgm:varLst>
-          <dgm:alg type="tx"/>
-          <dgm:shape xmlns:r="http://schemas.openxmlformats.org/officeDocument/2006/relationships" type="roundRect" r:blip="">
-            <dgm:adjLst>
-              <dgm:adj idx="1" val="0.1"/>
-            </dgm:adjLst>
-          </dgm:shape>
-          <dgm:presOf axis="desOrSelf" ptType="node"/>
-          <dgm:ruleLst>
-            <dgm:rule type="primFontSz" val="5" fact="NaN" max="NaN"/>
-          </dgm:ruleLst>
-        </dgm:layoutNode>
-      </dgm:layoutNode>
-      <dgm:forEach name="Name11" axis="followSib" ptType="sibTrans" cnt="1">
-        <dgm:layoutNode name="compositeSpace">
-          <dgm:alg type="sp"/>
-          <dgm:shape xmlns:r="http://schemas.openxmlformats.org/officeDocument/2006/relationships" r:blip="">
-            <dgm:adjLst/>
-          </dgm:shape>
-          <dgm:presOf axis="self"/>
-          <dgm:constrLst/>
-          <dgm:ruleLst/>
-        </dgm:layoutNode>
-      </dgm:forEach>
-    </dgm:forEach>
-  </dgm:layoutNode>
-</dgm:layoutDef>
-</file>
-
-<file path=ppt/diagrams/quickStyle1.xml><?xml version="1.0" encoding="utf-8"?>
-<dgm:styleDef xmlns:dgm="http://schemas.openxmlformats.org/drawingml/2006/diagram" xmlns:a="http://schemas.openxmlformats.org/drawingml/2006/main" uniqueId="urn:microsoft.com/office/officeart/2005/8/quickstyle/simple1">
-  <dgm:title val=""/>
-  <dgm:desc val=""/>
-  <dgm:catLst>
-    <dgm:cat type="simple" pri="10100"/>
-  </dgm:catLst>
-  <dgm:scene3d>
-    <a:camera prst="orthographicFront"/>
-    <a:lightRig rig="threePt" dir="t"/>
-  </dgm:scene3d>
-  <dgm:styleLbl name="node0">
-    <dgm:scene3d>
-      <a:camera prst="orthographicFront"/>
-      <a:lightRig rig="threePt" dir="t"/>
-    </dgm:scene3d>
-    <dgm:sp3d/>
-    <dgm:txPr/>
-    <dgm:style>
-      <a:lnRef idx="2">
-        <a:scrgbClr r="0" g="0" b="0"/>
-      </a:lnRef>
-      <a:fillRef idx="1">
-        <a:scrgbClr r="0" g="0" b="0"/>
-      </a:fillRef>
-      <a:effectRef idx="0">
-        <a:scrgbClr r="0" g="0" b="0"/>
-      </a:effectRef>
-      <a:fontRef idx="minor">
-        <a:schemeClr val="lt1"/>
-      </a:fontRef>
-    </dgm:style>
-  </dgm:styleLbl>
-  <dgm:styleLbl name="lnNode1">
-    <dgm:scene3d>
-      <a:camera prst="orthographicFront"/>
-      <a:lightRig rig="threePt" dir="t"/>
-    </dgm:scene3d>
-    <dgm:sp3d/>
-    <dgm:txPr/>
-    <dgm:style>
-      <a:lnRef idx="2">
-        <a:scrgbClr r="0" g="0" b="0"/>
-      </a:lnRef>
-      <a:fillRef idx="1">
-        <a:scrgbClr r="0" g="0" b="0"/>
-      </a:fillRef>
-      <a:effectRef idx="0">
-        <a:scrgbClr r="0" g="0" b="0"/>
-      </a:effectRef>
-      <a:fontRef idx="minor">
-        <a:schemeClr val="lt1"/>
-      </a:fontRef>
-    </dgm:style>
-  </dgm:styleLbl>
-  <dgm:styleLbl name="vennNode1">
-    <dgm:scene3d>
-      <a:camera prst="orthographicFront"/>
-      <a:lightRig rig="threePt" dir="t"/>
-    </dgm:scene3d>
-    <dgm:sp3d/>
-    <dgm:txPr/>
-    <dgm:style>
-      <a:lnRef idx="2">
-        <a:scrgbClr r="0" g="0" b="0"/>
-      </a:lnRef>
-      <a:fillRef idx="1">
-        <a:scrgbClr r="0" g="0" b="0"/>
-      </a:fillRef>
-      <a:effectRef idx="0">
-        <a:scrgbClr r="0" g="0" b="0"/>
-      </a:effectRef>
-      <a:fontRef idx="minor">
-        <a:schemeClr val="tx1"/>
-      </a:fontRef>
-    </dgm:style>
-  </dgm:styleLbl>
-  <dgm:styleLbl name="alignNode1">
-    <dgm:scene3d>
-      <a:camera prst="orthographicFront"/>
-      <a:lightRig rig="threePt" dir="t"/>
-    </dgm:scene3d>
-    <dgm:sp3d/>
-    <dgm:txPr/>
-    <dgm:style>
-      <a:lnRef idx="2">
-        <a:scrgbClr r="0" g="0" b="0"/>
-      </a:lnRef>
-      <a:fillRef idx="1">
-        <a:scrgbClr r="0" g="0" b="0"/>
-      </a:fillRef>
-      <a:effectRef idx="0">
-        <a:scrgbClr r="0" g="0" b="0"/>
-      </a:effectRef>
-      <a:fontRef idx="minor">
-        <a:schemeClr val="lt1"/>
-      </a:fontRef>
-    </dgm:style>
-  </dgm:styleLbl>
-  <dgm:styleLbl name="node1">
-    <dgm:scene3d>
-      <a:camera prst="orthographicFront"/>
-      <a:lightRig rig="threePt" dir="t"/>
-    </dgm:scene3d>
-    <dgm:sp3d/>
-    <dgm:txPr/>
-    <dgm:style>
-      <a:lnRef idx="2">
-        <a:scrgbClr r="0" g="0" b="0"/>
-      </a:lnRef>
-      <a:fillRef idx="1">
-        <a:scrgbClr r="0" g="0" b="0"/>
-      </a:fillRef>
-      <a:effectRef idx="0">
-        <a:scrgbClr r="0" g="0" b="0"/>
-      </a:effectRef>
-      <a:fontRef idx="minor">
-        <a:schemeClr val="lt1"/>
-      </a:fontRef>
-    </dgm:style>
-  </dgm:styleLbl>
-  <dgm:styleLbl name="node2">
-    <dgm:scene3d>
-      <a:camera prst="orthographicFront"/>
-      <a:lightRig rig="threePt" dir="t"/>
-    </dgm:scene3d>
-    <dgm:sp3d/>
-    <dgm:txPr/>
-    <dgm:style>
-      <a:lnRef idx="2">
-        <a:scrgbClr r="0" g="0" b="0"/>
-      </a:lnRef>
-      <a:fillRef idx="1">
-        <a:scrgbClr r="0" g="0" b="0"/>
-      </a:fillRef>
-      <a:effectRef idx="0">
-        <a:scrgbClr r="0" g="0" b="0"/>
-      </a:effectRef>
-      <a:fontRef idx="minor">
-        <a:schemeClr val="lt1"/>
-      </a:fontRef>
-    </dgm:style>
-  </dgm:styleLbl>
-  <dgm:styleLbl name="node3">
-    <dgm:scene3d>
-      <a:camera prst="orthographicFront"/>
-      <a:lightRig rig="threePt" dir="t"/>
-    </dgm:scene3d>
-    <dgm:sp3d/>
-    <dgm:txPr/>
-    <dgm:style>
-      <a:lnRef idx="2">
-        <a:scrgbClr r="0" g="0" b="0"/>
-      </a:lnRef>
-      <a:fillRef idx="1">
-        <a:scrgbClr r="0" g="0" b="0"/>
-      </a:fillRef>
-      <a:effectRef idx="0">
-        <a:scrgbClr r="0" g="0" b="0"/>
-      </a:effectRef>
-      <a:fontRef idx="minor">
-        <a:schemeClr val="lt1"/>
-      </a:fontRef>
-    </dgm:style>
-  </dgm:styleLbl>
-  <dgm:styleLbl name="node4">
-    <dgm:scene3d>
-      <a:camera prst="orthographicFront"/>
-      <a:lightRig rig="threePt" dir="t"/>
-    </dgm:scene3d>
-    <dgm:sp3d/>
-    <dgm:txPr/>
-    <dgm:style>
-      <a:lnRef idx="2">
-        <a:scrgbClr r="0" g="0" b="0"/>
-      </a:lnRef>
-      <a:fillRef idx="1">
-        <a:scrgbClr r="0" g="0" b="0"/>
-      </a:fillRef>
-      <a:effectRef idx="0">
-        <a:scrgbClr r="0" g="0" b="0"/>
-      </a:effectRef>
-      <a:fontRef idx="minor">
-        <a:schemeClr val="lt1"/>
-      </a:fontRef>
-    </dgm:style>
-  </dgm:styleLbl>
-  <dgm:styleLbl name="fgImgPlace1">
-    <dgm:scene3d>
-      <a:camera prst="orthographicFront"/>
-      <a:lightRig rig="threePt" dir="t"/>
-    </dgm:scene3d>
-    <dgm:sp3d/>
-    <dgm:txPr/>
-    <dgm:style>
-      <a:lnRef idx="2">
-        <a:scrgbClr r="0" g="0" b="0"/>
-      </a:lnRef>
-      <a:fillRef idx="1">
-        <a:scrgbClr r="0" g="0" b="0"/>
-      </a:fillRef>
-      <a:effectRef idx="0">
-        <a:scrgbClr r="0" g="0" b="0"/>
-      </a:effectRef>
-      <a:fontRef idx="minor"/>
-    </dgm:style>
-  </dgm:styleLbl>
-  <dgm:styleLbl name="alignImgPlace1">
-    <dgm:scene3d>
-      <a:camera prst="orthographicFront"/>
-      <a:lightRig rig="threePt" dir="t"/>
-    </dgm:scene3d>
-    <dgm:sp3d/>
-    <dgm:txPr/>
-    <dgm:style>
-      <a:lnRef idx="2">
-        <a:scrgbClr r="0" g="0" b="0"/>
-      </a:lnRef>
-      <a:fillRef idx="1">
-        <a:scrgbClr r="0" g="0" b="0"/>
-      </a:fillRef>
-      <a:effectRef idx="0">
-        <a:scrgbClr r="0" g="0" b="0"/>
-      </a:effectRef>
-      <a:fontRef idx="minor"/>
-    </dgm:style>
-  </dgm:styleLbl>
-  <dgm:styleLbl name="bgImgPlace1">
-    <dgm:scene3d>
-      <a:camera prst="orthographicFront"/>
-      <a:lightRig rig="threePt" dir="t"/>
-    </dgm:scene3d>
-    <dgm:sp3d/>
-    <dgm:txPr/>
-    <dgm:style>
-      <a:lnRef idx="2">
-        <a:scrgbClr r="0" g="0" b="0"/>
-      </a:lnRef>
-      <a:fillRef idx="1">
-        <a:scrgbClr r="0" g="0" b="0"/>
-      </a:fillRef>
-      <a:effectRef idx="0">
-        <a:scrgbClr r="0" g="0" b="0"/>
-      </a:effectRef>
-      <a:fontRef idx="minor"/>
-    </dgm:style>
-  </dgm:styleLbl>
-  <dgm:styleLbl name="sibTrans2D1">
-    <dgm:scene3d>
-      <a:camera prst="orthographicFront"/>
-      <a:lightRig rig="threePt" dir="t"/>
-    </dgm:scene3d>
-    <dgm:sp3d/>
-    <dgm:txPr/>
-    <dgm:style>
-      <a:lnRef idx="0">
-        <a:scrgbClr r="0" g="0" b="0"/>
-      </a:lnRef>
-      <a:fillRef idx="1">
-        <a:scrgbClr r="0" g="0" b="0"/>
-      </a:fillRef>
-      <a:effectRef idx="0">
-        <a:scrgbClr r="0" g="0" b="0"/>
-      </a:effectRef>
-      <a:fontRef idx="minor">
-        <a:schemeClr val="lt1"/>
-      </a:fontRef>
-    </dgm:style>
-  </dgm:styleLbl>
-  <dgm:styleLbl name="fgSibTrans2D1">
-    <dgm:scene3d>
-      <a:camera prst="orthographicFront"/>
-      <a:lightRig rig="threePt" dir="t"/>
-    </dgm:scene3d>
-    <dgm:sp3d/>
-    <dgm:txPr/>
-    <dgm:style>
-      <a:lnRef idx="0">
-        <a:scrgbClr r="0" g="0" b="0"/>
-      </a:lnRef>
-      <a:fillRef idx="1">
-        <a:scrgbClr r="0" g="0" b="0"/>
-      </a:fillRef>
-      <a:effectRef idx="0">
-        <a:scrgbClr r="0" g="0" b="0"/>
-      </a:effectRef>
-      <a:fontRef idx="minor">
-        <a:schemeClr val="lt1"/>
-      </a:fontRef>
-    </dgm:style>
-  </dgm:styleLbl>
-  <dgm:styleLbl name="bgSibTrans2D1">
-    <dgm:scene3d>
-      <a:camera prst="orthographicFront"/>
-      <a:lightRig rig="threePt" dir="t"/>
-    </dgm:scene3d>
-    <dgm:sp3d/>
-    <dgm:txPr/>
-    <dgm:style>
-      <a:lnRef idx="0">
-        <a:scrgbClr r="0" g="0" b="0"/>
-      </a:lnRef>
-      <a:fillRef idx="1">
-        <a:scrgbClr r="0" g="0" b="0"/>
-      </a:fillRef>
-      <a:effectRef idx="0">
-        <a:scrgbClr r="0" g="0" b="0"/>
-      </a:effectRef>
-      <a:fontRef idx="minor">
-        <a:schemeClr val="lt1"/>
-      </a:fontRef>
-    </dgm:style>
-  </dgm:styleLbl>
-  <dgm:styleLbl name="sibTrans1D1">
-    <dgm:scene3d>
-      <a:camera prst="orthographicFront"/>
-      <a:lightRig rig="threePt" dir="t"/>
-    </dgm:scene3d>
-    <dgm:sp3d/>
-    <dgm:txPr/>
-    <dgm:style>
-      <a:lnRef idx="1">
-        <a:scrgbClr r="0" g="0" b="0"/>
-      </a:lnRef>
-      <a:fillRef idx="0">
-        <a:scrgbClr r="0" g="0" b="0"/>
-      </a:fillRef>
-      <a:effectRef idx="0">
-        <a:scrgbClr r="0" g="0" b="0"/>
-      </a:effectRef>
-      <a:fontRef idx="minor"/>
-    </dgm:style>
-  </dgm:styleLbl>
-  <dgm:styleLbl name="callout">
-    <dgm:scene3d>
-      <a:camera prst="orthographicFront"/>
-      <a:lightRig rig="threePt" dir="t"/>
-    </dgm:scene3d>
-    <dgm:sp3d/>
-    <dgm:txPr/>
-    <dgm:style>
-      <a:lnRef idx="2">
-        <a:scrgbClr r="0" g="0" b="0"/>
-      </a:lnRef>
-      <a:fillRef idx="1">
-        <a:scrgbClr r="0" g="0" b="0"/>
-      </a:fillRef>
-      <a:effectRef idx="0">
-        <a:scrgbClr r="0" g="0" b="0"/>
-      </a:effectRef>
-      <a:fontRef idx="minor"/>
-    </dgm:style>
-  </dgm:styleLbl>
-  <dgm:styleLbl name="asst0">
-    <dgm:scene3d>
-      <a:camera prst="orthographicFront"/>
-      <a:lightRig rig="threePt" dir="t"/>
-    </dgm:scene3d>
-    <dgm:sp3d/>
-    <dgm:txPr/>
-    <dgm:style>
-      <a:lnRef idx="2">
-        <a:scrgbClr r="0" g="0" b="0"/>
-      </a:lnRef>
-      <a:fillRef idx="1">
-        <a:scrgbClr r="0" g="0" b="0"/>
-      </a:fillRef>
-      <a:effectRef idx="0">
-        <a:scrgbClr r="0" g="0" b="0"/>
-      </a:effectRef>
-      <a:fontRef idx="minor">
-        <a:schemeClr val="lt1"/>
-      </a:fontRef>
-    </dgm:style>
-  </dgm:styleLbl>
-  <dgm:styleLbl name="asst1">
-    <dgm:scene3d>
-      <a:camera prst="orthographicFront"/>
-      <a:lightRig rig="threePt" dir="t"/>
-    </dgm:scene3d>
-    <dgm:sp3d/>
-    <dgm:txPr/>
-    <dgm:style>
-      <a:lnRef idx="2">
-        <a:scrgbClr r="0" g="0" b="0"/>
-      </a:lnRef>
-      <a:fillRef idx="1">
-        <a:scrgbClr r="0" g="0" b="0"/>
-      </a:fillRef>
-      <a:effectRef idx="0">
-        <a:scrgbClr r="0" g="0" b="0"/>
-      </a:effectRef>
-      <a:fontRef idx="minor">
-        <a:schemeClr val="lt1"/>
-      </a:fontRef>
-    </dgm:style>
-  </dgm:styleLbl>
-  <dgm:styleLbl name="asst2">
-    <dgm:scene3d>
-      <a:camera prst="orthographicFront"/>
-      <a:lightRig rig="threePt" dir="t"/>
-    </dgm:scene3d>
-    <dgm:sp3d/>
-    <dgm:txPr/>
-    <dgm:style>
-      <a:lnRef idx="2">
-        <a:scrgbClr r="0" g="0" b="0"/>
-      </a:lnRef>
-      <a:fillRef idx="1">
-        <a:scrgbClr r="0" g="0" b="0"/>
-      </a:fillRef>
-      <a:effectRef idx="0">
-        <a:scrgbClr r="0" g="0" b="0"/>
-      </a:effectRef>
-      <a:fontRef idx="minor">
-        <a:schemeClr val="lt1"/>
-      </a:fontRef>
-    </dgm:style>
-  </dgm:styleLbl>
-  <dgm:styleLbl name="asst3">
-    <dgm:scene3d>
-      <a:camera prst="orthographicFront"/>
-      <a:lightRig rig="threePt" dir="t"/>
-    </dgm:scene3d>
-    <dgm:sp3d/>
-    <dgm:txPr/>
-    <dgm:style>
-      <a:lnRef idx="2">
-        <a:scrgbClr r="0" g="0" b="0"/>
-      </a:lnRef>
-      <a:fillRef idx="1">
-        <a:scrgbClr r="0" g="0" b="0"/>
-      </a:fillRef>
-      <a:effectRef idx="0">
-        <a:scrgbClr r="0" g="0" b="0"/>
-      </a:effectRef>
-      <a:fontRef idx="minor">
-        <a:schemeClr val="lt1"/>
-      </a:fontRef>
-    </dgm:style>
-  </dgm:styleLbl>
-  <dgm:styleLbl name="asst4">
-    <dgm:scene3d>
-      <a:camera prst="orthographicFront"/>
-      <a:lightRig rig="threePt" dir="t"/>
-    </dgm:scene3d>
-    <dgm:sp3d/>
-    <dgm:txPr/>
-    <dgm:style>
-      <a:lnRef idx="2">
-        <a:scrgbClr r="0" g="0" b="0"/>
-      </a:lnRef>
-      <a:fillRef idx="1">
-        <a:scrgbClr r="0" g="0" b="0"/>
-      </a:fillRef>
-      <a:effectRef idx="0">
-        <a:scrgbClr r="0" g="0" b="0"/>
-      </a:effectRef>
-      <a:fontRef idx="minor">
-        <a:schemeClr val="lt1"/>
-      </a:fontRef>
-    </dgm:style>
-  </dgm:styleLbl>
-  <dgm:styleLbl name="parChTrans2D1">
-    <dgm:scene3d>
-      <a:camera prst="orthographicFront"/>
-      <a:lightRig rig="threePt" dir="t"/>
-    </dgm:scene3d>
-    <dgm:sp3d/>
-    <dgm:txPr/>
-    <dgm:style>
-      <a:lnRef idx="2">
-        <a:scrgbClr r="0" g="0" b="0"/>
-      </a:lnRef>
-      <a:fillRef idx="1">
-        <a:scrgbClr r="0" g="0" b="0"/>
-      </a:fillRef>
-      <a:effectRef idx="0">
-        <a:scrgbClr r="0" g="0" b="0"/>
-      </a:effectRef>
-      <a:fontRef idx="minor">
-        <a:schemeClr val="lt1"/>
-      </a:fontRef>
-    </dgm:style>
-  </dgm:styleLbl>
-  <dgm:styleLbl name="parChTrans2D2">
-    <dgm:scene3d>
-      <a:camera prst="orthographicFront"/>
-      <a:lightRig rig="threePt" dir="t"/>
-    </dgm:scene3d>
-    <dgm:sp3d/>
-    <dgm:txPr/>
-    <dgm:style>
-      <a:lnRef idx="2">
-        <a:scrgbClr r="0" g="0" b="0"/>
-      </a:lnRef>
-      <a:fillRef idx="1">
-        <a:scrgbClr r="0" g="0" b="0"/>
-      </a:fillRef>
-      <a:effectRef idx="0">
-        <a:scrgbClr r="0" g="0" b="0"/>
-      </a:effectRef>
-      <a:fontRef idx="minor">
-        <a:schemeClr val="lt1"/>
-      </a:fontRef>
-    </dgm:style>
-  </dgm:styleLbl>
-  <dgm:styleLbl name="parChTrans2D3">
-    <dgm:scene3d>
-      <a:camera prst="orthographicFront"/>
-      <a:lightRig rig="threePt" dir="t"/>
-    </dgm:scene3d>
-    <dgm:sp3d/>
-    <dgm:txPr/>
-    <dgm:style>
-      <a:lnRef idx="2">
-        <a:scrgbClr r="0" g="0" b="0"/>
-      </a:lnRef>
-      <a:fillRef idx="1">
-        <a:scrgbClr r="0" g="0" b="0"/>
-      </a:fillRef>
-      <a:effectRef idx="0">
-        <a:scrgbClr r="0" g="0" b="0"/>
-      </a:effectRef>
-      <a:fontRef idx="minor">
-        <a:schemeClr val="lt1"/>
-      </a:fontRef>
-    </dgm:style>
-  </dgm:styleLbl>
-  <dgm:styleLbl name="parChTrans2D4">
-    <dgm:scene3d>
-      <a:camera prst="orthographicFront"/>
-      <a:lightRig rig="threePt" dir="t"/>
-    </dgm:scene3d>
-    <dgm:sp3d/>
-    <dgm:txPr/>
-    <dgm:style>
-      <a:lnRef idx="2">
-        <a:scrgbClr r="0" g="0" b="0"/>
-      </a:lnRef>
-      <a:fillRef idx="1">
-        <a:scrgbClr r="0" g="0" b="0"/>
-      </a:fillRef>
-      <a:effectRef idx="0">
-        <a:scrgbClr r="0" g="0" b="0"/>
-      </a:effectRef>
-      <a:fontRef idx="minor">
-        <a:schemeClr val="lt1"/>
-      </a:fontRef>
-    </dgm:style>
-  </dgm:styleLbl>
-  <dgm:styleLbl name="parChTrans1D1">
-    <dgm:scene3d>
-      <a:camera prst="orthographicFront"/>
-      <a:lightRig rig="threePt" dir="t"/>
-    </dgm:scene3d>
-    <dgm:sp3d/>
-    <dgm:txPr/>
-    <dgm:style>
-      <a:lnRef idx="2">
-        <a:scrgbClr r="0" g="0" b="0"/>
-      </a:lnRef>
-      <a:fillRef idx="0">
-        <a:scrgbClr r="0" g="0" b="0"/>
-      </a:fillRef>
-      <a:effectRef idx="0">
-        <a:scrgbClr r="0" g="0" b="0"/>
-      </a:effectRef>
-      <a:fontRef idx="minor"/>
-    </dgm:style>
-  </dgm:styleLbl>
-  <dgm:styleLbl name="parChTrans1D2">
-    <dgm:scene3d>
-      <a:camera prst="orthographicFront"/>
-      <a:lightRig rig="threePt" dir="t"/>
-    </dgm:scene3d>
-    <dgm:sp3d/>
-    <dgm:txPr/>
-    <dgm:style>
-      <a:lnRef idx="2">
-        <a:scrgbClr r="0" g="0" b="0"/>
-      </a:lnRef>
-      <a:fillRef idx="0">
-        <a:scrgbClr r="0" g="0" b="0"/>
-      </a:fillRef>
-      <a:effectRef idx="0">
-        <a:scrgbClr r="0" g="0" b="0"/>
-      </a:effectRef>
-      <a:fontRef idx="minor"/>
-    </dgm:style>
-  </dgm:styleLbl>
-  <dgm:styleLbl name="parChTrans1D3">
-    <dgm:scene3d>
-      <a:camera prst="orthographicFront"/>
-      <a:lightRig rig="threePt" dir="t"/>
-    </dgm:scene3d>
-    <dgm:sp3d/>
-    <dgm:txPr/>
-    <dgm:style>
-      <a:lnRef idx="2">
-        <a:scrgbClr r="0" g="0" b="0"/>
-      </a:lnRef>
-      <a:fillRef idx="0">
-        <a:scrgbClr r="0" g="0" b="0"/>
-      </a:fillRef>
-      <a:effectRef idx="0">
-        <a:scrgbClr r="0" g="0" b="0"/>
-      </a:effectRef>
-      <a:fontRef idx="minor"/>
-    </dgm:style>
-  </dgm:styleLbl>
-  <dgm:styleLbl name="parChTrans1D4">
-    <dgm:scene3d>
-      <a:camera prst="orthographicFront"/>
-      <a:lightRig rig="threePt" dir="t"/>
-    </dgm:scene3d>
-    <dgm:sp3d/>
-    <dgm:txPr/>
-    <dgm:style>
-      <a:lnRef idx="2">
-        <a:scrgbClr r="0" g="0" b="0"/>
-      </a:lnRef>
-      <a:fillRef idx="0">
-        <a:scrgbClr r="0" g="0" b="0"/>
-      </a:fillRef>
-      <a:effectRef idx="0">
-        <a:scrgbClr r="0" g="0" b="0"/>
-      </a:effectRef>
-      <a:fontRef idx="minor"/>
-    </dgm:style>
-  </dgm:styleLbl>
-  <dgm:styleLbl name="fgAcc1">
-    <dgm:scene3d>
-      <a:camera prst="orthographicFront"/>
-      <a:lightRig rig="threePt" dir="t"/>
-    </dgm:scene3d>
-    <dgm:sp3d/>
-    <dgm:txPr/>
-    <dgm:style>
-      <a:lnRef idx="2">
-        <a:scrgbClr r="0" g="0" b="0"/>
-      </a:lnRef>
-      <a:fillRef idx="1">
-        <a:scrgbClr r="0" g="0" b="0"/>
-      </a:fillRef>
-      <a:effectRef idx="0">
-        <a:scrgbClr r="0" g="0" b="0"/>
-      </a:effectRef>
-      <a:fontRef idx="minor"/>
-    </dgm:style>
-  </dgm:styleLbl>
-  <dgm:styleLbl name="conFgAcc1">
-    <dgm:scene3d>
-      <a:camera prst="orthographicFront"/>
-      <a:lightRig rig="threePt" dir="t"/>
-    </dgm:scene3d>
-    <dgm:sp3d/>
-    <dgm:txPr/>
-    <dgm:style>
-      <a:lnRef idx="2">
-        <a:scrgbClr r="0" g="0" b="0"/>
-      </a:lnRef>
-      <a:fillRef idx="1">
-        <a:scrgbClr r="0" g="0" b="0"/>
-      </a:fillRef>
-      <a:effectRef idx="0">
-        <a:scrgbClr r="0" g="0" b="0"/>
-      </a:effectRef>
-      <a:fontRef idx="minor"/>
-    </dgm:style>
-  </dgm:styleLbl>
-  <dgm:styleLbl name="alignAcc1">
-    <dgm:scene3d>
-      <a:camera prst="orthographicFront"/>
-      <a:lightRig rig="threePt" dir="t"/>
-    </dgm:scene3d>
-    <dgm:sp3d/>
-    <dgm:txPr/>
-    <dgm:style>
-      <a:lnRef idx="2">
-        <a:scrgbClr r="0" g="0" b="0"/>
-      </a:lnRef>
-      <a:fillRef idx="1">
-        <a:scrgbClr r="0" g="0" b="0"/>
-      </a:fillRef>
-      <a:effectRef idx="0">
-        <a:scrgbClr r="0" g="0" b="0"/>
-      </a:effectRef>
-      <a:fontRef idx="minor"/>
-    </dgm:style>
-  </dgm:styleLbl>
-  <dgm:styleLbl name="trAlignAcc1">
-    <dgm:scene3d>
-      <a:camera prst="orthographicFront"/>
-      <a:lightRig rig="threePt" dir="t"/>
-    </dgm:scene3d>
-    <dgm:sp3d/>
-    <dgm:txPr/>
-    <dgm:style>
-      <a:lnRef idx="1">
-        <a:scrgbClr r="0" g="0" b="0"/>
-      </a:lnRef>
-      <a:fillRef idx="1">
-        <a:scrgbClr r="0" g="0" b="0"/>
-      </a:fillRef>
-      <a:effectRef idx="0">
-        <a:scrgbClr r="0" g="0" b="0"/>
-      </a:effectRef>
-      <a:fontRef idx="minor"/>
-    </dgm:style>
-  </dgm:styleLbl>
-  <dgm:styleLbl name="bgAcc1">
-    <dgm:scene3d>
-      <a:camera prst="orthographicFront"/>
-      <a:lightRig rig="threePt" dir="t"/>
-    </dgm:scene3d>
-    <dgm:sp3d/>
-    <dgm:txPr/>
-    <dgm:style>
-      <a:lnRef idx="2">
-        <a:scrgbClr r="0" g="0" b="0"/>
-      </a:lnRef>
-      <a:fillRef idx="1">
-        <a:scrgbClr r="0" g="0" b="0"/>
-      </a:fillRef>
-      <a:effectRef idx="0">
-        <a:scrgbClr r="0" g="0" b="0"/>
-      </a:effectRef>
-      <a:fontRef idx="minor"/>
-    </dgm:style>
-  </dgm:styleLbl>
-  <dgm:styleLbl name="solidFgAcc1">
-    <dgm:scene3d>
-      <a:camera prst="orthographicFront"/>
-      <a:lightRig rig="threePt" dir="t"/>
-    </dgm:scene3d>
-    <dgm:sp3d/>
-    <dgm:txPr/>
-    <dgm:style>
-      <a:lnRef idx="2">
-        <a:scrgbClr r="0" g="0" b="0"/>
-      </a:lnRef>
-      <a:fillRef idx="1">
-        <a:scrgbClr r="0" g="0" b="0"/>
-      </a:fillRef>
-      <a:effectRef idx="0">
-        <a:scrgbClr r="0" g="0" b="0"/>
-      </a:effectRef>
-      <a:fontRef idx="minor"/>
-    </dgm:style>
-  </dgm:styleLbl>
-  <dgm:styleLbl name="solidAlignAcc1">
-    <dgm:scene3d>
-      <a:camera prst="orthographicFront"/>
-      <a:lightRig rig="threePt" dir="t"/>
-    </dgm:scene3d>
-    <dgm:sp3d/>
-    <dgm:txPr/>
-    <dgm:style>
-      <a:lnRef idx="2">
-        <a:scrgbClr r="0" g="0" b="0"/>
-      </a:lnRef>
-      <a:fillRef idx="1">
-        <a:scrgbClr r="0" g="0" b="0"/>
-      </a:fillRef>
-      <a:effectRef idx="0">
-        <a:scrgbClr r="0" g="0" b="0"/>
-      </a:effectRef>
-      <a:fontRef idx="minor"/>
-    </dgm:style>
-  </dgm:styleLbl>
-  <dgm:styleLbl name="solidBgAcc1">
-    <dgm:scene3d>
-      <a:camera prst="orthographicFront"/>
-      <a:lightRig rig="threePt" dir="t"/>
-    </dgm:scene3d>
-    <dgm:sp3d/>
-    <dgm:txPr/>
-    <dgm:style>
-      <a:lnRef idx="2">
-        <a:scrgbClr r="0" g="0" b="0"/>
-      </a:lnRef>
-      <a:fillRef idx="1">
-        <a:scrgbClr r="0" g="0" b="0"/>
-      </a:fillRef>
-      <a:effectRef idx="0">
-        <a:scrgbClr r="0" g="0" b="0"/>
-      </a:effectRef>
-      <a:fontRef idx="minor"/>
-    </dgm:style>
-  </dgm:styleLbl>
-  <dgm:styleLbl name="fgAccFollowNode1">
-    <dgm:scene3d>
-      <a:camera prst="orthographicFront"/>
-      <a:lightRig rig="threePt" dir="t"/>
-    </dgm:scene3d>
-    <dgm:sp3d/>
-    <dgm:txPr/>
-    <dgm:style>
-      <a:lnRef idx="2">
-        <a:scrgbClr r="0" g="0" b="0"/>
-      </a:lnRef>
-      <a:fillRef idx="1">
-        <a:scrgbClr r="0" g="0" b="0"/>
-      </a:fillRef>
-      <a:effectRef idx="0">
-        <a:scrgbClr r="0" g="0" b="0"/>
-      </a:effectRef>
-      <a:fontRef idx="minor"/>
-    </dgm:style>
-  </dgm:styleLbl>
-  <dgm:styleLbl name="alignAccFollowNode1">
-    <dgm:scene3d>
-      <a:camera prst="orthographicFront"/>
-      <a:lightRig rig="threePt" dir="t"/>
-    </dgm:scene3d>
-    <dgm:sp3d/>
-    <dgm:txPr/>
-    <dgm:style>
-      <a:lnRef idx="2">
-        <a:scrgbClr r="0" g="0" b="0"/>
-      </a:lnRef>
-      <a:fillRef idx="1">
-        <a:scrgbClr r="0" g="0" b="0"/>
-      </a:fillRef>
-      <a:effectRef idx="0">
-        <a:scrgbClr r="0" g="0" b="0"/>
-      </a:effectRef>
-      <a:fontRef idx="minor"/>
-    </dgm:style>
-  </dgm:styleLbl>
-  <dgm:styleLbl name="bgAccFollowNode1">
-    <dgm:scene3d>
-      <a:camera prst="orthographicFront"/>
-      <a:lightRig rig="threePt" dir="t"/>
-    </dgm:scene3d>
-    <dgm:sp3d/>
-    <dgm:txPr/>
-    <dgm:style>
-      <a:lnRef idx="2">
-        <a:scrgbClr r="0" g="0" b="0"/>
-      </a:lnRef>
-      <a:fillRef idx="1">
-        <a:scrgbClr r="0" g="0" b="0"/>
-      </a:fillRef>
-      <a:effectRef idx="0">
-        <a:scrgbClr r="0" g="0" b="0"/>
-      </a:effectRef>
-      <a:fontRef idx="minor"/>
-    </dgm:style>
-  </dgm:styleLbl>
-  <dgm:styleLbl name="fgAcc0">
-    <dgm:scene3d>
-      <a:camera prst="orthographicFront"/>
-      <a:lightRig rig="threePt" dir="t"/>
-    </dgm:scene3d>
-    <dgm:sp3d/>
-    <dgm:txPr/>
-    <dgm:style>
-      <a:lnRef idx="2">
-        <a:scrgbClr r="0" g="0" b="0"/>
-      </a:lnRef>
-      <a:fillRef idx="1">
-        <a:scrgbClr r="0" g="0" b="0"/>
-      </a:fillRef>
-      <a:effectRef idx="0">
-        <a:scrgbClr r="0" g="0" b="0"/>
-      </a:effectRef>
-      <a:fontRef idx="minor"/>
-    </dgm:style>
-  </dgm:styleLbl>
-  <dgm:styleLbl name="fgAcc2">
-    <dgm:scene3d>
-      <a:camera prst="orthographicFront"/>
-      <a:lightRig rig="threePt" dir="t"/>
-    </dgm:scene3d>
-    <dgm:sp3d/>
-    <dgm:txPr/>
-    <dgm:style>
-      <a:lnRef idx="2">
-        <a:scrgbClr r="0" g="0" b="0"/>
-      </a:lnRef>
-      <a:fillRef idx="1">
-        <a:scrgbClr r="0" g="0" b="0"/>
-      </a:fillRef>
-      <a:effectRef idx="0">
-        <a:scrgbClr r="0" g="0" b="0"/>
-      </a:effectRef>
-      <a:fontRef idx="minor"/>
-    </dgm:style>
-  </dgm:styleLbl>
-  <dgm:styleLbl name="fgAcc3">
-    <dgm:scene3d>
-      <a:camera prst="orthographicFront"/>
-      <a:lightRig rig="threePt" dir="t"/>
-    </dgm:scene3d>
-    <dgm:sp3d/>
-    <dgm:txPr/>
-    <dgm:style>
-      <a:lnRef idx="2">
-        <a:scrgbClr r="0" g="0" b="0"/>
-      </a:lnRef>
-      <a:fillRef idx="1">
-        <a:scrgbClr r="0" g="0" b="0"/>
-      </a:fillRef>
-      <a:effectRef idx="0">
-        <a:scrgbClr r="0" g="0" b="0"/>
-      </a:effectRef>
-      <a:fontRef idx="minor"/>
-    </dgm:style>
-  </dgm:styleLbl>
-  <dgm:styleLbl name="fgAcc4">
-    <dgm:scene3d>
-      <a:camera prst="orthographicFront"/>
-      <a:lightRig rig="threePt" dir="t"/>
-    </dgm:scene3d>
-    <dgm:sp3d/>
-    <dgm:txPr/>
-    <dgm:style>
-      <a:lnRef idx="2">
-        <a:scrgbClr r="0" g="0" b="0"/>
-      </a:lnRef>
-      <a:fillRef idx="1">
-        <a:scrgbClr r="0" g="0" b="0"/>
-      </a:fillRef>
-      <a:effectRef idx="0">
-        <a:scrgbClr r="0" g="0" b="0"/>
-      </a:effectRef>
-      <a:fontRef idx="minor"/>
-    </dgm:style>
-  </dgm:styleLbl>
-  <dgm:styleLbl name="bgShp">
-    <dgm:scene3d>
-      <a:camera prst="orthographicFront"/>
-      <a:lightRig rig="threePt" dir="t"/>
-    </dgm:scene3d>
-    <dgm:sp3d/>
-    <dgm:txPr/>
-    <dgm:style>
-      <a:lnRef idx="0">
-        <a:scrgbClr r="0" g="0" b="0"/>
-      </a:lnRef>
-      <a:fillRef idx="1">
-        <a:scrgbClr r="0" g="0" b="0"/>
-      </a:fillRef>
-      <a:effectRef idx="0">
-        <a:scrgbClr r="0" g="0" b="0"/>
-      </a:effectRef>
-      <a:fontRef idx="minor"/>
-    </dgm:style>
-  </dgm:styleLbl>
-  <dgm:styleLbl name="dkBgShp">
-    <dgm:scene3d>
-      <a:camera prst="orthographicFront"/>
-      <a:lightRig rig="threePt" dir="t"/>
-    </dgm:scene3d>
-    <dgm:sp3d/>
-    <dgm:txPr/>
-    <dgm:style>
-      <a:lnRef idx="0">
-        <a:scrgbClr r="0" g="0" b="0"/>
-      </a:lnRef>
-      <a:fillRef idx="1">
-        <a:scrgbClr r="0" g="0" b="0"/>
-      </a:fillRef>
-      <a:effectRef idx="0">
-        <a:scrgbClr r="0" g="0" b="0"/>
-      </a:effectRef>
-      <a:fontRef idx="minor"/>
-    </dgm:style>
-  </dgm:styleLbl>
-  <dgm:styleLbl name="trBgShp">
-    <dgm:scene3d>
-      <a:camera prst="orthographicFront"/>
-      <a:lightRig rig="threePt" dir="t"/>
-    </dgm:scene3d>
-    <dgm:sp3d/>
-    <dgm:txPr/>
-    <dgm:style>
-      <a:lnRef idx="0">
-        <a:scrgbClr r="0" g="0" b="0"/>
-      </a:lnRef>
-      <a:fillRef idx="1">
-        <a:scrgbClr r="0" g="0" b="0"/>
-      </a:fillRef>
-      <a:effectRef idx="0">
-        <a:scrgbClr r="0" g="0" b="0"/>
-      </a:effectRef>
-      <a:fontRef idx="minor"/>
-    </dgm:style>
-  </dgm:styleLbl>
-  <dgm:styleLbl name="fgShp">
-    <dgm:scene3d>
-      <a:camera prst="orthographicFront"/>
-      <a:lightRig rig="threePt" dir="t"/>
-    </dgm:scene3d>
-    <dgm:sp3d/>
-    <dgm:txPr/>
-    <dgm:style>
-      <a:lnRef idx="2">
-        <a:scrgbClr r="0" g="0" b="0"/>
-      </a:lnRef>
-      <a:fillRef idx="1">
-        <a:scrgbClr r="0" g="0" b="0"/>
-      </a:fillRef>
-      <a:effectRef idx="0">
-        <a:scrgbClr r="0" g="0" b="0"/>
-      </a:effectRef>
-      <a:fontRef idx="minor"/>
-    </dgm:style>
-  </dgm:styleLbl>
-  <dgm:styleLbl name="revTx">
-    <dgm:scene3d>
-      <a:camera prst="orthographicFront"/>
-      <a:lightRig rig="threePt" dir="t"/>
-    </dgm:scene3d>
-    <dgm:sp3d/>
-    <dgm:txPr/>
-    <dgm:style>
-      <a:lnRef idx="0">
-        <a:scrgbClr r="0" g="0" b="0"/>
-      </a:lnRef>
-      <a:fillRef idx="0">
-        <a:scrgbClr r="0" g="0" b="0"/>
-      </a:fillRef>
-      <a:effectRef idx="0">
-        <a:scrgbClr r="0" g="0" b="0"/>
-      </a:effectRef>
-      <a:fontRef idx="minor"/>
-    </dgm:style>
-  </dgm:styleLbl>
-</dgm:styleDef>
-</file>
-
 <file path=ppt/slideLayouts/slideLayout1.xml><?xml version="1.0" encoding="utf-8"?>
 <p:sldLayout xmlns:a="http://schemas.openxmlformats.org/drawingml/2006/main" xmlns:r="http://schemas.openxmlformats.org/officeDocument/2006/relationships" xmlns:p="http://schemas.openxmlformats.org/presentationml/2006/main" type="title" preserve="1">
   <p:cSld name="Title Slide">
@@ -3059,7 +217,7 @@
           <a:effectLst/>
           <a:extLst>
             <a:ext uri="{91240B29-F687-4f45-9708-019B960494DF}">
-              <a14:hiddenLine xmlns="" xmlns:a14="http://schemas.microsoft.com/office/drawing/2010/main" w="9525">
+              <a14:hiddenLine xmlns:a14="http://schemas.microsoft.com/office/drawing/2010/main" xmlns="" w="9525">
                 <a:solidFill>
                   <a:srgbClr val="000000"/>
                 </a:solidFill>
@@ -3251,7 +409,7 @@
           <a:p>
             <a:fld id="{C38CFCAD-2135-4AB8-9EE0-75884872A20A}" type="datetimeFigureOut">
               <a:rPr lang="en-US" smtClean="0"/>
-              <a:t>12/26/2020</a:t>
+              <a:t>12/28/2020</a:t>
             </a:fld>
             <a:endParaRPr lang="en-US"/>
           </a:p>
@@ -3569,7 +727,7 @@
           <a:p>
             <a:fld id="{C38CFCAD-2135-4AB8-9EE0-75884872A20A}" type="datetimeFigureOut">
               <a:rPr lang="en-US" smtClean="0"/>
-              <a:t>12/26/2020</a:t>
+              <a:t>12/28/2020</a:t>
             </a:fld>
             <a:endParaRPr lang="en-US"/>
           </a:p>
@@ -4057,7 +1215,7 @@
           <a:p>
             <a:fld id="{C38CFCAD-2135-4AB8-9EE0-75884872A20A}" type="datetimeFigureOut">
               <a:rPr lang="en-US" smtClean="0"/>
-              <a:t>12/26/2020</a:t>
+              <a:t>12/28/2020</a:t>
             </a:fld>
             <a:endParaRPr lang="en-US"/>
           </a:p>
@@ -4426,7 +1584,7 @@
           <a:p>
             <a:fld id="{C38CFCAD-2135-4AB8-9EE0-75884872A20A}" type="datetimeFigureOut">
               <a:rPr lang="en-US" smtClean="0"/>
-              <a:t>12/26/2020</a:t>
+              <a:t>12/28/2020</a:t>
             </a:fld>
             <a:endParaRPr lang="en-US"/>
           </a:p>
@@ -4581,7 +1739,7 @@
           <a:ln/>
           <a:extLst>
             <a:ext uri="{91240B29-F687-4f45-9708-019B960494DF}">
-              <a14:hiddenLine xmlns="" xmlns:a14="http://schemas.microsoft.com/office/drawing/2010/main" w="9525">
+              <a14:hiddenLine xmlns:a14="http://schemas.microsoft.com/office/drawing/2010/main" xmlns="" w="9525">
                 <a:solidFill>
                   <a:srgbClr val="000000"/>
                 </a:solidFill>
@@ -4699,7 +1857,7 @@
           <a:p>
             <a:fld id="{C38CFCAD-2135-4AB8-9EE0-75884872A20A}" type="datetimeFigureOut">
               <a:rPr lang="en-US" smtClean="0"/>
-              <a:t>12/26/2020</a:t>
+              <a:t>12/28/2020</a:t>
             </a:fld>
             <a:endParaRPr lang="en-US"/>
           </a:p>
@@ -4856,7 +2014,7 @@
           <a:ln/>
           <a:extLst>
             <a:ext uri="{91240B29-F687-4f45-9708-019B960494DF}">
-              <a14:hiddenLine xmlns="" xmlns:a14="http://schemas.microsoft.com/office/drawing/2010/main" w="9525">
+              <a14:hiddenLine xmlns:a14="http://schemas.microsoft.com/office/drawing/2010/main" xmlns="" w="9525">
                 <a:solidFill>
                   <a:srgbClr val="000000"/>
                 </a:solidFill>
@@ -4984,7 +2142,7 @@
           <a:p>
             <a:fld id="{C38CFCAD-2135-4AB8-9EE0-75884872A20A}" type="datetimeFigureOut">
               <a:rPr lang="en-US" smtClean="0"/>
-              <a:t>12/26/2020</a:t>
+              <a:t>12/28/2020</a:t>
             </a:fld>
             <a:endParaRPr lang="en-US"/>
           </a:p>
@@ -5139,7 +2297,7 @@
           <a:ln/>
           <a:extLst>
             <a:ext uri="{91240B29-F687-4f45-9708-019B960494DF}">
-              <a14:hiddenLine xmlns="" xmlns:a14="http://schemas.microsoft.com/office/drawing/2010/main" w="9525">
+              <a14:hiddenLine xmlns:a14="http://schemas.microsoft.com/office/drawing/2010/main" xmlns="" w="9525">
                 <a:solidFill>
                   <a:srgbClr val="000000"/>
                 </a:solidFill>
@@ -5267,7 +2425,7 @@
           <a:p>
             <a:fld id="{C38CFCAD-2135-4AB8-9EE0-75884872A20A}" type="datetimeFigureOut">
               <a:rPr lang="en-US" smtClean="0"/>
-              <a:t>12/26/2020</a:t>
+              <a:t>12/28/2020</a:t>
             </a:fld>
             <a:endParaRPr lang="en-US"/>
           </a:p>
@@ -5610,7 +2768,7 @@
           <a:p>
             <a:fld id="{C38CFCAD-2135-4AB8-9EE0-75884872A20A}" type="datetimeFigureOut">
               <a:rPr lang="en-US" smtClean="0"/>
-              <a:t>12/26/2020</a:t>
+              <a:t>12/28/2020</a:t>
             </a:fld>
             <a:endParaRPr lang="en-US"/>
           </a:p>
@@ -5765,7 +2923,7 @@
           <a:ln/>
           <a:extLst>
             <a:ext uri="{91240B29-F687-4f45-9708-019B960494DF}">
-              <a14:hiddenLine xmlns="" xmlns:a14="http://schemas.microsoft.com/office/drawing/2010/main" w="9525">
+              <a14:hiddenLine xmlns:a14="http://schemas.microsoft.com/office/drawing/2010/main" xmlns="" w="9525">
                 <a:solidFill>
                   <a:srgbClr val="000000"/>
                 </a:solidFill>
@@ -5949,7 +3107,7 @@
           <a:p>
             <a:fld id="{C38CFCAD-2135-4AB8-9EE0-75884872A20A}" type="datetimeFigureOut">
               <a:rPr lang="en-US" smtClean="0"/>
-              <a:t>12/26/2020</a:t>
+              <a:t>12/28/2020</a:t>
             </a:fld>
             <a:endParaRPr lang="en-US"/>
           </a:p>
@@ -6104,7 +3262,7 @@
           <a:ln/>
           <a:extLst>
             <a:ext uri="{91240B29-F687-4f45-9708-019B960494DF}">
-              <a14:hiddenLine xmlns="" xmlns:a14="http://schemas.microsoft.com/office/drawing/2010/main" w="9525">
+              <a14:hiddenLine xmlns:a14="http://schemas.microsoft.com/office/drawing/2010/main" xmlns="" w="9525">
                 <a:solidFill>
                   <a:srgbClr val="000000"/>
                 </a:solidFill>
@@ -6426,7 +3584,7 @@
           <a:p>
             <a:fld id="{C38CFCAD-2135-4AB8-9EE0-75884872A20A}" type="datetimeFigureOut">
               <a:rPr lang="en-US" smtClean="0"/>
-              <a:t>12/26/2020</a:t>
+              <a:t>12/28/2020</a:t>
             </a:fld>
             <a:endParaRPr lang="en-US"/>
           </a:p>
@@ -6581,7 +3739,7 @@
           <a:ln/>
           <a:extLst>
             <a:ext uri="{91240B29-F687-4f45-9708-019B960494DF}">
-              <a14:hiddenLine xmlns="" xmlns:a14="http://schemas.microsoft.com/office/drawing/2010/main" w="9525">
+              <a14:hiddenLine xmlns:a14="http://schemas.microsoft.com/office/drawing/2010/main" xmlns="" w="9525">
                 <a:solidFill>
                   <a:srgbClr val="000000"/>
                 </a:solidFill>
@@ -6647,7 +3805,7 @@
           <a:p>
             <a:fld id="{C38CFCAD-2135-4AB8-9EE0-75884872A20A}" type="datetimeFigureOut">
               <a:rPr lang="en-US" smtClean="0"/>
-              <a:t>12/26/2020</a:t>
+              <a:t>12/28/2020</a:t>
             </a:fld>
             <a:endParaRPr lang="en-US"/>
           </a:p>
@@ -6742,7 +3900,7 @@
           <a:p>
             <a:fld id="{C38CFCAD-2135-4AB8-9EE0-75884872A20A}" type="datetimeFigureOut">
               <a:rPr lang="en-US" smtClean="0"/>
-              <a:t>12/26/2020</a:t>
+              <a:t>12/28/2020</a:t>
             </a:fld>
             <a:endParaRPr lang="en-US"/>
           </a:p>
@@ -7010,7 +4168,7 @@
           <a:ln/>
           <a:extLst>
             <a:ext uri="{91240B29-F687-4f45-9708-019B960494DF}">
-              <a14:hiddenLine xmlns="" xmlns:a14="http://schemas.microsoft.com/office/drawing/2010/main" w="9525">
+              <a14:hiddenLine xmlns:a14="http://schemas.microsoft.com/office/drawing/2010/main" xmlns="" w="9525">
                 <a:solidFill>
                   <a:srgbClr val="000000"/>
                 </a:solidFill>
@@ -7209,7 +4367,7 @@
           <a:p>
             <a:fld id="{C38CFCAD-2135-4AB8-9EE0-75884872A20A}" type="datetimeFigureOut">
               <a:rPr lang="en-US" smtClean="0"/>
-              <a:t>12/26/2020</a:t>
+              <a:t>12/28/2020</a:t>
             </a:fld>
             <a:endParaRPr lang="en-US"/>
           </a:p>
@@ -7522,7 +4680,7 @@
           <a:p>
             <a:fld id="{C38CFCAD-2135-4AB8-9EE0-75884872A20A}" type="datetimeFigureOut">
               <a:rPr lang="en-US" smtClean="0"/>
-              <a:t>12/26/2020</a:t>
+              <a:t>12/28/2020</a:t>
             </a:fld>
             <a:endParaRPr lang="en-US"/>
           </a:p>
@@ -7792,7 +4950,7 @@
           <a:p>
             <a:fld id="{C38CFCAD-2135-4AB8-9EE0-75884872A20A}" type="datetimeFigureOut">
               <a:rPr lang="en-US" smtClean="0"/>
-              <a:t>12/26/2020</a:t>
+              <a:t>12/28/2020</a:t>
             </a:fld>
             <a:endParaRPr lang="en-US"/>
           </a:p>
@@ -8377,255 +5535,6 @@
           <a:chExt cx="0" cy="0"/>
         </a:xfrm>
       </p:grpSpPr>
-      <p:sp>
-        <p:nvSpPr>
-          <p:cNvPr id="2" name="Title 1"/>
-          <p:cNvSpPr>
-            <a:spLocks noGrp="1"/>
-          </p:cNvSpPr>
-          <p:nvPr>
-            <p:ph type="title"/>
-          </p:nvPr>
-        </p:nvSpPr>
-        <p:spPr/>
-        <p:txBody>
-          <a:bodyPr/>
-          <a:lstStyle/>
-          <a:p>
-            <a:r>
-              <a:rPr lang="en-US" dirty="0" smtClean="0"/>
-              <a:t>Demo </a:t>
-            </a:r>
-            <a:r>
-              <a:rPr lang="en-US" dirty="0" err="1" smtClean="0"/>
-              <a:t>Aplikasi</a:t>
-            </a:r>
-            <a:endParaRPr lang="en-US" dirty="0"/>
-          </a:p>
-        </p:txBody>
-      </p:sp>
-      <p:sp>
-        <p:nvSpPr>
-          <p:cNvPr id="3" name="Text Placeholder 2"/>
-          <p:cNvSpPr>
-            <a:spLocks noGrp="1"/>
-          </p:cNvSpPr>
-          <p:nvPr>
-            <p:ph type="body" idx="1"/>
-          </p:nvPr>
-        </p:nvSpPr>
-        <p:spPr/>
-        <p:txBody>
-          <a:bodyPr/>
-          <a:lstStyle/>
-          <a:p>
-            <a:r>
-              <a:rPr lang="en-US" dirty="0" err="1" smtClean="0"/>
-              <a:t>Saldo</a:t>
-            </a:r>
-            <a:r>
-              <a:rPr lang="en-US" dirty="0" smtClean="0"/>
-              <a:t> </a:t>
-            </a:r>
-            <a:r>
-              <a:rPr lang="en-US" dirty="0" err="1" smtClean="0"/>
-              <a:t>dan</a:t>
-            </a:r>
-            <a:r>
-              <a:rPr lang="en-US" dirty="0" smtClean="0"/>
-              <a:t> </a:t>
-            </a:r>
-            <a:r>
-              <a:rPr lang="en-US" dirty="0" err="1" smtClean="0"/>
-              <a:t>Mutasi</a:t>
-            </a:r>
-            <a:endParaRPr lang="en-US" dirty="0"/>
-          </a:p>
-        </p:txBody>
-      </p:sp>
-      <p:pic>
-        <p:nvPicPr>
-          <p:cNvPr id="7" name="Content Placeholder 6"/>
-          <p:cNvPicPr>
-            <a:picLocks noGrp="1"/>
-          </p:cNvPicPr>
-          <p:nvPr>
-            <p:ph sz="half" idx="2"/>
-          </p:nvPr>
-        </p:nvPicPr>
-        <p:blipFill>
-          <a:blip r:embed="rId2" cstate="print">
-            <a:extLst>
-              <a:ext uri="{28A0092B-C50C-407E-A947-70E740481C1C}">
-                <a14:useLocalDpi xmlns:a14="http://schemas.microsoft.com/office/drawing/2010/main" val="0"/>
-              </a:ext>
-            </a:extLst>
-          </a:blip>
-          <a:stretch>
-            <a:fillRect/>
-          </a:stretch>
-        </p:blipFill>
-        <p:spPr>
-          <a:xfrm>
-            <a:off x="2262084" y="2852738"/>
-            <a:ext cx="2295144" cy="3721608"/>
-          </a:xfrm>
-        </p:spPr>
-      </p:pic>
-      <p:sp>
-        <p:nvSpPr>
-          <p:cNvPr id="5" name="Text Placeholder 4"/>
-          <p:cNvSpPr>
-            <a:spLocks noGrp="1"/>
-          </p:cNvSpPr>
-          <p:nvPr>
-            <p:ph type="body" sz="quarter" idx="3"/>
-          </p:nvPr>
-        </p:nvSpPr>
-        <p:spPr/>
-        <p:txBody>
-          <a:bodyPr/>
-          <a:lstStyle/>
-          <a:p>
-            <a:r>
-              <a:rPr lang="en-US" dirty="0" err="1" smtClean="0"/>
-              <a:t>Cek</a:t>
-            </a:r>
-            <a:r>
-              <a:rPr lang="en-US" dirty="0" smtClean="0"/>
-              <a:t> </a:t>
-            </a:r>
-            <a:r>
-              <a:rPr lang="en-US" dirty="0" err="1" smtClean="0"/>
-              <a:t>Tagihan</a:t>
-            </a:r>
-            <a:r>
-              <a:rPr lang="en-US" dirty="0" smtClean="0"/>
-              <a:t> </a:t>
-            </a:r>
-            <a:r>
-              <a:rPr lang="en-US" dirty="0" err="1" smtClean="0"/>
-              <a:t>dan</a:t>
-            </a:r>
-            <a:r>
-              <a:rPr lang="en-US" dirty="0" smtClean="0"/>
-              <a:t> </a:t>
-            </a:r>
-            <a:r>
-              <a:rPr lang="en-US" dirty="0" err="1" smtClean="0"/>
-              <a:t>Pembayaran</a:t>
-            </a:r>
-            <a:endParaRPr lang="en-US" dirty="0"/>
-          </a:p>
-        </p:txBody>
-      </p:sp>
-      <p:pic>
-        <p:nvPicPr>
-          <p:cNvPr id="8" name="Content Placeholder 7"/>
-          <p:cNvPicPr>
-            <a:picLocks noGrp="1" noChangeAspect="1"/>
-          </p:cNvPicPr>
-          <p:nvPr>
-            <p:ph sz="quarter" idx="4"/>
-          </p:nvPr>
-        </p:nvPicPr>
-        <p:blipFill>
-          <a:blip r:embed="rId3" cstate="print">
-            <a:extLst>
-              <a:ext uri="{28A0092B-C50C-407E-A947-70E740481C1C}">
-                <a14:useLocalDpi xmlns:a14="http://schemas.microsoft.com/office/drawing/2010/main" val="0"/>
-              </a:ext>
-            </a:extLst>
-          </a:blip>
-          <a:stretch>
-            <a:fillRect/>
-          </a:stretch>
-        </p:blipFill>
-        <p:spPr>
-          <a:xfrm>
-            <a:off x="7637134" y="2852738"/>
-            <a:ext cx="2295144" cy="3721608"/>
-          </a:xfrm>
-        </p:spPr>
-      </p:pic>
-      <p:pic>
-        <p:nvPicPr>
-          <p:cNvPr id="9" name="Picture 2" descr="SHIFTED - Full Stack Engineer at BTPN Syariah (PT Bank Tabungan Pensiunan  Nasional Syariah Tbk)"/>
-          <p:cNvPicPr>
-            <a:picLocks noChangeAspect="1" noChangeArrowheads="1"/>
-          </p:cNvPicPr>
-          <p:nvPr/>
-        </p:nvPicPr>
-        <p:blipFill>
-          <a:blip r:embed="rId4" cstate="print">
-            <a:extLst>
-              <a:ext uri="{28A0092B-C50C-407E-A947-70E740481C1C}">
-                <a14:useLocalDpi xmlns:a14="http://schemas.microsoft.com/office/drawing/2010/main" val="0"/>
-              </a:ext>
-            </a:extLst>
-          </a:blip>
-          <a:srcRect/>
-          <a:stretch>
-            <a:fillRect/>
-          </a:stretch>
-        </p:blipFill>
-        <p:spPr bwMode="auto">
-          <a:xfrm>
-            <a:off x="9702264" y="1601"/>
-            <a:ext cx="2489735" cy="1402551"/>
-          </a:xfrm>
-          <a:prstGeom prst="rect">
-            <a:avLst/>
-          </a:prstGeom>
-          <a:noFill/>
-          <a:extLst>
-            <a:ext uri="{909E8E84-426E-40DD-AFC4-6F175D3DCCD1}">
-              <a14:hiddenFill xmlns:a14="http://schemas.microsoft.com/office/drawing/2010/main">
-                <a:solidFill>
-                  <a:srgbClr val="FFFFFF"/>
-                </a:solidFill>
-              </a14:hiddenFill>
-            </a:ext>
-          </a:extLst>
-        </p:spPr>
-      </p:pic>
-    </p:spTree>
-    <p:extLst>
-      <p:ext uri="{BB962C8B-B14F-4D97-AF65-F5344CB8AC3E}">
-        <p14:creationId xmlns:p14="http://schemas.microsoft.com/office/powerpoint/2010/main" val="684177008"/>
-      </p:ext>
-    </p:extLst>
-  </p:cSld>
-  <p:clrMapOvr>
-    <a:masterClrMapping/>
-  </p:clrMapOvr>
-  <p:timing>
-    <p:tnLst>
-      <p:par>
-        <p:cTn id="1" dur="indefinite" restart="never" nodeType="tmRoot"/>
-      </p:par>
-    </p:tnLst>
-  </p:timing>
-</p:sld>
-</file>
-
-<file path=ppt/slides/slide11.xml><?xml version="1.0" encoding="utf-8"?>
-<p:sld xmlns:a="http://schemas.openxmlformats.org/drawingml/2006/main" xmlns:r="http://schemas.openxmlformats.org/officeDocument/2006/relationships" xmlns:p="http://schemas.openxmlformats.org/presentationml/2006/main">
-  <p:cSld>
-    <p:spTree>
-      <p:nvGrpSpPr>
-        <p:cNvPr id="1" name=""/>
-        <p:cNvGrpSpPr/>
-        <p:nvPr/>
-      </p:nvGrpSpPr>
-      <p:grpSpPr>
-        <a:xfrm>
-          <a:off x="0" y="0"/>
-          <a:ext cx="0" cy="0"/>
-          <a:chOff x="0" y="0"/>
-          <a:chExt cx="0" cy="0"/>
-        </a:xfrm>
-      </p:grpSpPr>
       <p:pic>
         <p:nvPicPr>
           <p:cNvPr id="10" name="Picture Placeholder 9"/>
@@ -8794,6 +5703,78 @@
       </p:par>
     </p:tnLst>
   </p:timing>
+</p:sld>
+</file>
+
+<file path=ppt/slides/slide11.xml><?xml version="1.0" encoding="utf-8"?>
+<p:sld xmlns:a="http://schemas.openxmlformats.org/drawingml/2006/main" xmlns:r="http://schemas.openxmlformats.org/officeDocument/2006/relationships" xmlns:p="http://schemas.openxmlformats.org/presentationml/2006/main">
+  <p:cSld>
+    <p:spTree>
+      <p:nvGrpSpPr>
+        <p:cNvPr id="1" name=""/>
+        <p:cNvGrpSpPr/>
+        <p:nvPr/>
+      </p:nvGrpSpPr>
+      <p:grpSpPr>
+        <a:xfrm>
+          <a:off x="0" y="0"/>
+          <a:ext cx="0" cy="0"/>
+          <a:chOff x="0" y="0"/>
+          <a:chExt cx="0" cy="0"/>
+        </a:xfrm>
+      </p:grpSpPr>
+      <p:sp>
+        <p:nvSpPr>
+          <p:cNvPr id="5" name="Rectangle 4"/>
+          <p:cNvSpPr/>
+          <p:nvPr/>
+        </p:nvSpPr>
+        <p:spPr>
+          <a:xfrm>
+            <a:off x="3858852" y="2967335"/>
+            <a:ext cx="4474302" cy="923330"/>
+          </a:xfrm>
+          <a:prstGeom prst="rect">
+            <a:avLst/>
+          </a:prstGeom>
+          <a:noFill/>
+        </p:spPr>
+        <p:txBody>
+          <a:bodyPr wrap="none" lIns="91440" tIns="45720" rIns="91440" bIns="45720">
+            <a:spAutoFit/>
+          </a:bodyPr>
+          <a:lstStyle/>
+          <a:p>
+            <a:pPr algn="ctr"/>
+            <a:r>
+              <a:rPr lang="en-US" sz="5400" b="0" cap="none" spc="0" dirty="0" smtClean="0">
+                <a:ln w="0"/>
+                <a:solidFill>
+                  <a:schemeClr val="tx1"/>
+                </a:solidFill>
+                <a:effectLst>
+                  <a:outerShdw blurRad="38100" dist="19050" dir="2700000" algn="tl" rotWithShape="0">
+                    <a:schemeClr val="dk1">
+                      <a:alpha val="40000"/>
+                    </a:schemeClr>
+                  </a:outerShdw>
+                </a:effectLst>
+              </a:rPr>
+              <a:t>TERIMAKASIH</a:t>
+            </a:r>
+          </a:p>
+        </p:txBody>
+      </p:sp>
+    </p:spTree>
+    <p:extLst>
+      <p:ext uri="{BB962C8B-B14F-4D97-AF65-F5344CB8AC3E}">
+        <p14:creationId xmlns:p14="http://schemas.microsoft.com/office/powerpoint/2010/main" val="3767160960"/>
+      </p:ext>
+    </p:extLst>
+  </p:cSld>
+  <p:clrMapOvr>
+    <a:masterClrMapping/>
+  </p:clrMapOvr>
 </p:sld>
 </file>
 
@@ -10017,7 +6998,9 @@
           </a:xfrm>
         </p:spPr>
         <p:txBody>
-          <a:bodyPr/>
+          <a:bodyPr>
+            <a:normAutofit fontScale="92500" lnSpcReduction="10000"/>
+          </a:bodyPr>
           <a:lstStyle/>
           <a:p>
             <a:pPr lvl="1"/>
@@ -10149,7 +7132,27 @@
             <a:pPr marL="457200" lvl="1" indent="0">
               <a:buNone/>
             </a:pPr>
-            <a:endParaRPr lang="en-US" sz="3200" i="1" dirty="0" smtClean="0"/>
+            <a:r>
+              <a:rPr lang="en-US" sz="3200" i="1" dirty="0"/>
+              <a:t> </a:t>
+            </a:r>
+            <a:r>
+              <a:rPr lang="en-US" sz="3200" i="1" dirty="0" smtClean="0"/>
+              <a:t>  - </a:t>
+            </a:r>
+            <a:r>
+              <a:rPr lang="en-US" sz="3200" dirty="0" err="1" smtClean="0"/>
+              <a:t>Pembayaran</a:t>
+            </a:r>
+            <a:r>
+              <a:rPr lang="en-US" sz="3200" dirty="0" smtClean="0"/>
+              <a:t> </a:t>
+            </a:r>
+            <a:r>
+              <a:rPr lang="en-US" sz="3200" dirty="0" err="1" smtClean="0"/>
+              <a:t>Tagihan</a:t>
+            </a:r>
+            <a:endParaRPr lang="en-US" sz="3200" dirty="0" smtClean="0"/>
           </a:p>
           <a:p>
             <a:pPr lvl="1"/>
@@ -10288,141 +7291,6 @@
 </file>
 
 <file path=ppt/slides/slide5.xml><?xml version="1.0" encoding="utf-8"?>
-<p:sld xmlns:a="http://schemas.openxmlformats.org/drawingml/2006/main" xmlns:r="http://schemas.openxmlformats.org/officeDocument/2006/relationships" xmlns:p="http://schemas.openxmlformats.org/presentationml/2006/main">
-  <p:cSld>
-    <p:spTree>
-      <p:nvGrpSpPr>
-        <p:cNvPr id="1" name=""/>
-        <p:cNvGrpSpPr/>
-        <p:nvPr/>
-      </p:nvGrpSpPr>
-      <p:grpSpPr>
-        <a:xfrm>
-          <a:off x="0" y="0"/>
-          <a:ext cx="0" cy="0"/>
-          <a:chOff x="0" y="0"/>
-          <a:chExt cx="0" cy="0"/>
-        </a:xfrm>
-      </p:grpSpPr>
-      <p:sp>
-        <p:nvSpPr>
-          <p:cNvPr id="7" name="Title 6"/>
-          <p:cNvSpPr>
-            <a:spLocks noGrp="1"/>
-          </p:cNvSpPr>
-          <p:nvPr>
-            <p:ph type="title"/>
-          </p:nvPr>
-        </p:nvSpPr>
-        <p:spPr/>
-        <p:txBody>
-          <a:bodyPr/>
-          <a:lstStyle/>
-          <a:p>
-            <a:r>
-              <a:rPr lang="en-US" sz="3200" dirty="0" smtClean="0"/>
-              <a:t>Proses </a:t>
-            </a:r>
-            <a:r>
-              <a:rPr lang="en-US" sz="3200" dirty="0" err="1" smtClean="0"/>
-              <a:t>Pembuatan</a:t>
-            </a:r>
-            <a:r>
-              <a:rPr lang="en-US" sz="3200" dirty="0" smtClean="0"/>
-              <a:t> </a:t>
-            </a:r>
-            <a:r>
-              <a:rPr lang="en-US" sz="3200" dirty="0" err="1" smtClean="0"/>
-              <a:t>Aplikasi</a:t>
-            </a:r>
-            <a:endParaRPr lang="en-US" sz="3200" dirty="0"/>
-          </a:p>
-        </p:txBody>
-      </p:sp>
-      <p:graphicFrame>
-        <p:nvGraphicFramePr>
-          <p:cNvPr id="13" name="Diagram 12"/>
-          <p:cNvGraphicFramePr/>
-          <p:nvPr>
-            <p:extLst>
-              <p:ext uri="{D42A27DB-BD31-4B8C-83A1-F6EECF244321}">
-                <p14:modId xmlns:p14="http://schemas.microsoft.com/office/powerpoint/2010/main" val="409892541"/>
-              </p:ext>
-            </p:extLst>
-          </p:nvPr>
-        </p:nvGraphicFramePr>
-        <p:xfrm>
-          <a:off x="1327149" y="1255286"/>
-          <a:ext cx="9445625" cy="5300134"/>
-        </p:xfrm>
-        <a:graphic>
-          <a:graphicData uri="http://schemas.openxmlformats.org/drawingml/2006/diagram">
-            <dgm:relIds xmlns:dgm="http://schemas.openxmlformats.org/drawingml/2006/diagram" xmlns:r="http://schemas.openxmlformats.org/officeDocument/2006/relationships" r:dm="rId2" r:lo="rId3" r:qs="rId4" r:cs="rId5"/>
-          </a:graphicData>
-        </a:graphic>
-      </p:graphicFrame>
-      <p:pic>
-        <p:nvPicPr>
-          <p:cNvPr id="14" name="Picture 2" descr="SHIFTED - Full Stack Engineer at BTPN Syariah (PT Bank Tabungan Pensiunan  Nasional Syariah Tbk)"/>
-          <p:cNvPicPr>
-            <a:picLocks noChangeAspect="1" noChangeArrowheads="1"/>
-          </p:cNvPicPr>
-          <p:nvPr/>
-        </p:nvPicPr>
-        <p:blipFill>
-          <a:blip r:embed="rId7" cstate="print">
-            <a:extLst>
-              <a:ext uri="{28A0092B-C50C-407E-A947-70E740481C1C}">
-                <a14:useLocalDpi xmlns:a14="http://schemas.microsoft.com/office/drawing/2010/main" val="0"/>
-              </a:ext>
-            </a:extLst>
-          </a:blip>
-          <a:srcRect/>
-          <a:stretch>
-            <a:fillRect/>
-          </a:stretch>
-        </p:blipFill>
-        <p:spPr bwMode="auto">
-          <a:xfrm>
-            <a:off x="9702264" y="10837"/>
-            <a:ext cx="2489735" cy="1402551"/>
-          </a:xfrm>
-          <a:prstGeom prst="rect">
-            <a:avLst/>
-          </a:prstGeom>
-          <a:noFill/>
-          <a:extLst>
-            <a:ext uri="{909E8E84-426E-40DD-AFC4-6F175D3DCCD1}">
-              <a14:hiddenFill xmlns:a14="http://schemas.microsoft.com/office/drawing/2010/main">
-                <a:solidFill>
-                  <a:srgbClr val="FFFFFF"/>
-                </a:solidFill>
-              </a14:hiddenFill>
-            </a:ext>
-          </a:extLst>
-        </p:spPr>
-      </p:pic>
-    </p:spTree>
-    <p:extLst>
-      <p:ext uri="{BB962C8B-B14F-4D97-AF65-F5344CB8AC3E}">
-        <p14:creationId xmlns:p14="http://schemas.microsoft.com/office/powerpoint/2010/main" val="3424782427"/>
-      </p:ext>
-    </p:extLst>
-  </p:cSld>
-  <p:clrMapOvr>
-    <a:masterClrMapping/>
-  </p:clrMapOvr>
-  <p:timing>
-    <p:tnLst>
-      <p:par>
-        <p:cTn id="1" dur="indefinite" restart="never" nodeType="tmRoot"/>
-      </p:par>
-    </p:tnLst>
-  </p:timing>
-</p:sld>
-</file>
-
-<file path=ppt/slides/slide6.xml><?xml version="1.0" encoding="utf-8"?>
 <p:sld xmlns:a="http://schemas.openxmlformats.org/drawingml/2006/main" xmlns:r="http://schemas.openxmlformats.org/officeDocument/2006/relationships" xmlns:p="http://schemas.openxmlformats.org/presentationml/2006/main">
   <p:cSld>
     <p:spTree>
@@ -10755,7 +7623,7 @@
 </p:sld>
 </file>
 
-<file path=ppt/slides/slide7.xml><?xml version="1.0" encoding="utf-8"?>
+<file path=ppt/slides/slide6.xml><?xml version="1.0" encoding="utf-8"?>
 <p:sld xmlns:a="http://schemas.openxmlformats.org/drawingml/2006/main" xmlns:r="http://schemas.openxmlformats.org/officeDocument/2006/relationships" xmlns:p="http://schemas.openxmlformats.org/presentationml/2006/main">
   <p:cSld>
     <p:spTree>
@@ -10789,7 +7657,7 @@
           <a:p>
             <a:r>
               <a:rPr lang="en-US" sz="3200" dirty="0" smtClean="0"/>
-              <a:t>CARA KERJA</a:t>
+              <a:t>ARSITEKTUR</a:t>
             </a:r>
             <a:endParaRPr lang="en-US" sz="3200" dirty="0"/>
           </a:p>
@@ -10885,7 +7753,7 @@
 </p:sld>
 </file>
 
-<file path=ppt/slides/slide8.xml><?xml version="1.0" encoding="utf-8"?>
+<file path=ppt/slides/slide7.xml><?xml version="1.0" encoding="utf-8"?>
 <p:sld xmlns:a="http://schemas.openxmlformats.org/drawingml/2006/main" xmlns:r="http://schemas.openxmlformats.org/officeDocument/2006/relationships" xmlns:p="http://schemas.openxmlformats.org/presentationml/2006/main">
   <p:cSld>
     <p:spTree>
@@ -11550,7 +8418,7 @@
 </p:sld>
 </file>
 
-<file path=ppt/slides/slide9.xml><?xml version="1.0" encoding="utf-8"?>
+<file path=ppt/slides/slide8.xml><?xml version="1.0" encoding="utf-8"?>
 <p:sld xmlns:a="http://schemas.openxmlformats.org/drawingml/2006/main" xmlns:r="http://schemas.openxmlformats.org/officeDocument/2006/relationships" xmlns:p="http://schemas.openxmlformats.org/presentationml/2006/main">
   <p:cSld>
     <p:spTree>
@@ -11743,6 +8611,255 @@
     <p:extLst>
       <p:ext uri="{BB962C8B-B14F-4D97-AF65-F5344CB8AC3E}">
         <p14:creationId xmlns:p14="http://schemas.microsoft.com/office/powerpoint/2010/main" val="528146159"/>
+      </p:ext>
+    </p:extLst>
+  </p:cSld>
+  <p:clrMapOvr>
+    <a:masterClrMapping/>
+  </p:clrMapOvr>
+  <p:timing>
+    <p:tnLst>
+      <p:par>
+        <p:cTn id="1" dur="indefinite" restart="never" nodeType="tmRoot"/>
+      </p:par>
+    </p:tnLst>
+  </p:timing>
+</p:sld>
+</file>
+
+<file path=ppt/slides/slide9.xml><?xml version="1.0" encoding="utf-8"?>
+<p:sld xmlns:a="http://schemas.openxmlformats.org/drawingml/2006/main" xmlns:r="http://schemas.openxmlformats.org/officeDocument/2006/relationships" xmlns:p="http://schemas.openxmlformats.org/presentationml/2006/main">
+  <p:cSld>
+    <p:spTree>
+      <p:nvGrpSpPr>
+        <p:cNvPr id="1" name=""/>
+        <p:cNvGrpSpPr/>
+        <p:nvPr/>
+      </p:nvGrpSpPr>
+      <p:grpSpPr>
+        <a:xfrm>
+          <a:off x="0" y="0"/>
+          <a:ext cx="0" cy="0"/>
+          <a:chOff x="0" y="0"/>
+          <a:chExt cx="0" cy="0"/>
+        </a:xfrm>
+      </p:grpSpPr>
+      <p:sp>
+        <p:nvSpPr>
+          <p:cNvPr id="2" name="Title 1"/>
+          <p:cNvSpPr>
+            <a:spLocks noGrp="1"/>
+          </p:cNvSpPr>
+          <p:nvPr>
+            <p:ph type="title"/>
+          </p:nvPr>
+        </p:nvSpPr>
+        <p:spPr/>
+        <p:txBody>
+          <a:bodyPr/>
+          <a:lstStyle/>
+          <a:p>
+            <a:r>
+              <a:rPr lang="en-US" dirty="0" smtClean="0"/>
+              <a:t>Demo </a:t>
+            </a:r>
+            <a:r>
+              <a:rPr lang="en-US" dirty="0" err="1" smtClean="0"/>
+              <a:t>Aplikasi</a:t>
+            </a:r>
+            <a:endParaRPr lang="en-US" dirty="0"/>
+          </a:p>
+        </p:txBody>
+      </p:sp>
+      <p:sp>
+        <p:nvSpPr>
+          <p:cNvPr id="3" name="Text Placeholder 2"/>
+          <p:cNvSpPr>
+            <a:spLocks noGrp="1"/>
+          </p:cNvSpPr>
+          <p:nvPr>
+            <p:ph type="body" idx="1"/>
+          </p:nvPr>
+        </p:nvSpPr>
+        <p:spPr/>
+        <p:txBody>
+          <a:bodyPr/>
+          <a:lstStyle/>
+          <a:p>
+            <a:r>
+              <a:rPr lang="en-US" dirty="0" err="1" smtClean="0"/>
+              <a:t>Saldo</a:t>
+            </a:r>
+            <a:r>
+              <a:rPr lang="en-US" dirty="0" smtClean="0"/>
+              <a:t> </a:t>
+            </a:r>
+            <a:r>
+              <a:rPr lang="en-US" dirty="0" err="1" smtClean="0"/>
+              <a:t>dan</a:t>
+            </a:r>
+            <a:r>
+              <a:rPr lang="en-US" dirty="0" smtClean="0"/>
+              <a:t> </a:t>
+            </a:r>
+            <a:r>
+              <a:rPr lang="en-US" dirty="0" err="1" smtClean="0"/>
+              <a:t>Mutasi</a:t>
+            </a:r>
+            <a:endParaRPr lang="en-US" dirty="0"/>
+          </a:p>
+        </p:txBody>
+      </p:sp>
+      <p:pic>
+        <p:nvPicPr>
+          <p:cNvPr id="7" name="Content Placeholder 6"/>
+          <p:cNvPicPr>
+            <a:picLocks noGrp="1"/>
+          </p:cNvPicPr>
+          <p:nvPr>
+            <p:ph sz="half" idx="2"/>
+          </p:nvPr>
+        </p:nvPicPr>
+        <p:blipFill>
+          <a:blip r:embed="rId2" cstate="print">
+            <a:extLst>
+              <a:ext uri="{28A0092B-C50C-407E-A947-70E740481C1C}">
+                <a14:useLocalDpi xmlns:a14="http://schemas.microsoft.com/office/drawing/2010/main" val="0"/>
+              </a:ext>
+            </a:extLst>
+          </a:blip>
+          <a:stretch>
+            <a:fillRect/>
+          </a:stretch>
+        </p:blipFill>
+        <p:spPr>
+          <a:xfrm>
+            <a:off x="2262084" y="2852738"/>
+            <a:ext cx="2295144" cy="3721608"/>
+          </a:xfrm>
+        </p:spPr>
+      </p:pic>
+      <p:sp>
+        <p:nvSpPr>
+          <p:cNvPr id="5" name="Text Placeholder 4"/>
+          <p:cNvSpPr>
+            <a:spLocks noGrp="1"/>
+          </p:cNvSpPr>
+          <p:nvPr>
+            <p:ph type="body" sz="quarter" idx="3"/>
+          </p:nvPr>
+        </p:nvSpPr>
+        <p:spPr/>
+        <p:txBody>
+          <a:bodyPr/>
+          <a:lstStyle/>
+          <a:p>
+            <a:r>
+              <a:rPr lang="en-US" dirty="0" err="1" smtClean="0"/>
+              <a:t>Cek</a:t>
+            </a:r>
+            <a:r>
+              <a:rPr lang="en-US" dirty="0" smtClean="0"/>
+              <a:t> </a:t>
+            </a:r>
+            <a:r>
+              <a:rPr lang="en-US" dirty="0" err="1" smtClean="0"/>
+              <a:t>Tagihan</a:t>
+            </a:r>
+            <a:r>
+              <a:rPr lang="en-US" dirty="0" smtClean="0"/>
+              <a:t> </a:t>
+            </a:r>
+            <a:r>
+              <a:rPr lang="en-US" dirty="0" err="1" smtClean="0"/>
+              <a:t>dan</a:t>
+            </a:r>
+            <a:r>
+              <a:rPr lang="en-US" dirty="0" smtClean="0"/>
+              <a:t> </a:t>
+            </a:r>
+            <a:r>
+              <a:rPr lang="en-US" dirty="0" err="1" smtClean="0"/>
+              <a:t>Pembayaran</a:t>
+            </a:r>
+            <a:endParaRPr lang="en-US" dirty="0"/>
+          </a:p>
+        </p:txBody>
+      </p:sp>
+      <p:pic>
+        <p:nvPicPr>
+          <p:cNvPr id="8" name="Content Placeholder 7"/>
+          <p:cNvPicPr>
+            <a:picLocks noGrp="1" noChangeAspect="1"/>
+          </p:cNvPicPr>
+          <p:nvPr>
+            <p:ph sz="quarter" idx="4"/>
+          </p:nvPr>
+        </p:nvPicPr>
+        <p:blipFill>
+          <a:blip r:embed="rId3" cstate="print">
+            <a:extLst>
+              <a:ext uri="{28A0092B-C50C-407E-A947-70E740481C1C}">
+                <a14:useLocalDpi xmlns:a14="http://schemas.microsoft.com/office/drawing/2010/main" val="0"/>
+              </a:ext>
+            </a:extLst>
+          </a:blip>
+          <a:stretch>
+            <a:fillRect/>
+          </a:stretch>
+        </p:blipFill>
+        <p:spPr>
+          <a:xfrm>
+            <a:off x="7637134" y="2852738"/>
+            <a:ext cx="2295144" cy="3721608"/>
+          </a:xfrm>
+        </p:spPr>
+      </p:pic>
+      <p:pic>
+        <p:nvPicPr>
+          <p:cNvPr id="9" name="Picture 2" descr="SHIFTED - Full Stack Engineer at BTPN Syariah (PT Bank Tabungan Pensiunan  Nasional Syariah Tbk)"/>
+          <p:cNvPicPr>
+            <a:picLocks noChangeAspect="1" noChangeArrowheads="1"/>
+          </p:cNvPicPr>
+          <p:nvPr/>
+        </p:nvPicPr>
+        <p:blipFill>
+          <a:blip r:embed="rId4" cstate="print">
+            <a:extLst>
+              <a:ext uri="{28A0092B-C50C-407E-A947-70E740481C1C}">
+                <a14:useLocalDpi xmlns:a14="http://schemas.microsoft.com/office/drawing/2010/main" val="0"/>
+              </a:ext>
+            </a:extLst>
+          </a:blip>
+          <a:srcRect/>
+          <a:stretch>
+            <a:fillRect/>
+          </a:stretch>
+        </p:blipFill>
+        <p:spPr bwMode="auto">
+          <a:xfrm>
+            <a:off x="9702264" y="1601"/>
+            <a:ext cx="2489735" cy="1402551"/>
+          </a:xfrm>
+          <a:prstGeom prst="rect">
+            <a:avLst/>
+          </a:prstGeom>
+          <a:noFill/>
+          <a:extLst>
+            <a:ext uri="{909E8E84-426E-40DD-AFC4-6F175D3DCCD1}">
+              <a14:hiddenFill xmlns:a14="http://schemas.microsoft.com/office/drawing/2010/main">
+                <a:solidFill>
+                  <a:srgbClr val="FFFFFF"/>
+                </a:solidFill>
+              </a14:hiddenFill>
+            </a:ext>
+          </a:extLst>
+        </p:spPr>
+      </p:pic>
+    </p:spTree>
+    <p:extLst>
+      <p:ext uri="{BB962C8B-B14F-4D97-AF65-F5344CB8AC3E}">
+        <p14:creationId xmlns:p14="http://schemas.microsoft.com/office/powerpoint/2010/main" val="684177008"/>
       </p:ext>
     </p:extLst>
   </p:cSld>
